--- a/Regular expression.pptx
+++ b/Regular expression.pptx
@@ -5,7 +5,7 @@
     <p:sldMasterId id="2147483648" r:id="rId1"/>
   </p:sldMasterIdLst>
   <p:notesMasterIdLst>
-    <p:notesMasterId r:id="rId39"/>
+    <p:notesMasterId r:id="rId40"/>
   </p:notesMasterIdLst>
   <p:sldIdLst>
     <p:sldId id="295" r:id="rId2"/>
@@ -41,10 +41,11 @@
     <p:sldId id="302" r:id="rId32"/>
     <p:sldId id="301" r:id="rId33"/>
     <p:sldId id="297" r:id="rId34"/>
-    <p:sldId id="303" r:id="rId35"/>
-    <p:sldId id="279" r:id="rId36"/>
-    <p:sldId id="288" r:id="rId37"/>
-    <p:sldId id="294" r:id="rId38"/>
+    <p:sldId id="307" r:id="rId35"/>
+    <p:sldId id="303" r:id="rId36"/>
+    <p:sldId id="279" r:id="rId37"/>
+    <p:sldId id="288" r:id="rId38"/>
+    <p:sldId id="294" r:id="rId39"/>
   </p:sldIdLst>
   <p:sldSz cx="12192000" cy="6858000"/>
   <p:notesSz cx="6858000" cy="9144000"/>
@@ -259,7 +260,7 @@
           <a:p>
             <a:fld id="{8FD72FE2-9D34-441A-BBF8-C43457B3CB86}" type="datetimeFigureOut">
               <a:rPr lang="en-US" smtClean="0"/>
-              <a:t>10/15/2018</a:t>
+              <a:t>10/28/2018</a:t>
             </a:fld>
             <a:endParaRPr lang="en-US"/>
           </a:p>
@@ -1443,7 +1444,7 @@
           <a:p>
             <a:fld id="{60B89942-B3E8-4591-ACA1-4DCA72D39B32}" type="slidenum">
               <a:rPr lang="en-US" smtClean="0"/>
-              <a:t>35</a:t>
+              <a:t>36</a:t>
             </a:fld>
             <a:endParaRPr lang="en-US"/>
           </a:p>
@@ -2975,7 +2976,7 @@
           <a:p>
             <a:fld id="{C44276A9-7526-4D6F-8860-40780D20FB70}" type="datetime1">
               <a:rPr lang="en-US" smtClean="0"/>
-              <a:t>10/15/2018</a:t>
+              <a:t>10/28/2018</a:t>
             </a:fld>
             <a:endParaRPr lang="en-US"/>
           </a:p>
@@ -3222,7 +3223,7 @@
           <a:p>
             <a:fld id="{DA73BF5B-E6A9-4AD9-9492-C7670EB48B9C}" type="datetime1">
               <a:rPr lang="en-US" smtClean="0"/>
-              <a:t>10/15/2018</a:t>
+              <a:t>10/28/2018</a:t>
             </a:fld>
             <a:endParaRPr lang="en-US"/>
           </a:p>
@@ -3532,7 +3533,7 @@
           <a:p>
             <a:fld id="{35611C89-A768-4986-BC8A-B8AF2ACAC105}" type="datetime1">
               <a:rPr lang="en-US" smtClean="0"/>
-              <a:t>10/15/2018</a:t>
+              <a:t>10/28/2018</a:t>
             </a:fld>
             <a:endParaRPr lang="en-US"/>
           </a:p>
@@ -3869,7 +3870,7 @@
           <a:p>
             <a:fld id="{9A3A3E9E-0A0D-45EA-BEA4-AD822CA400AD}" type="datetime1">
               <a:rPr lang="en-US" smtClean="0"/>
-              <a:t>10/15/2018</a:t>
+              <a:t>10/28/2018</a:t>
             </a:fld>
             <a:endParaRPr lang="en-US"/>
           </a:p>
@@ -4179,7 +4180,7 @@
           <a:p>
             <a:fld id="{ECEBFA12-978A-4BB0-ADD7-3A313390BD79}" type="datetime1">
               <a:rPr lang="en-US" smtClean="0"/>
-              <a:t>10/15/2018</a:t>
+              <a:t>10/28/2018</a:t>
             </a:fld>
             <a:endParaRPr lang="en-US"/>
           </a:p>
@@ -4568,7 +4569,7 @@
           <a:p>
             <a:fld id="{E8DD9845-F79F-4BE7-83DF-9040CC064CF1}" type="datetime1">
               <a:rPr lang="en-US" smtClean="0"/>
-              <a:t>10/15/2018</a:t>
+              <a:t>10/28/2018</a:t>
             </a:fld>
             <a:endParaRPr lang="en-US"/>
           </a:p>
@@ -4734,7 +4735,7 @@
           <a:p>
             <a:fld id="{1E49E2CD-78C6-4946-B39D-64A329306FF6}" type="datetime1">
               <a:rPr lang="en-US" smtClean="0"/>
-              <a:t>10/15/2018</a:t>
+              <a:t>10/28/2018</a:t>
             </a:fld>
             <a:endParaRPr lang="en-US"/>
           </a:p>
@@ -4909,7 +4910,7 @@
           <a:p>
             <a:fld id="{EEE216F6-DF86-456A-8087-621803B16196}" type="datetime1">
               <a:rPr lang="en-US" smtClean="0"/>
-              <a:t>10/15/2018</a:t>
+              <a:t>10/28/2018</a:t>
             </a:fld>
             <a:endParaRPr lang="en-US"/>
           </a:p>
@@ -5081,7 +5082,7 @@
           <a:p>
             <a:fld id="{F9F6332A-FC3F-457D-91BB-C0FFB082B428}" type="datetime1">
               <a:rPr lang="en-US" smtClean="0"/>
-              <a:t>10/15/2018</a:t>
+              <a:t>10/28/2018</a:t>
             </a:fld>
             <a:endParaRPr lang="en-US"/>
           </a:p>
@@ -5324,7 +5325,7 @@
           <a:p>
             <a:fld id="{AB590231-D46D-4502-89B1-B167124EAE52}" type="datetime1">
               <a:rPr lang="en-US" smtClean="0"/>
-              <a:t>10/15/2018</a:t>
+              <a:t>10/28/2018</a:t>
             </a:fld>
             <a:endParaRPr lang="en-US"/>
           </a:p>
@@ -5552,7 +5553,7 @@
           <a:p>
             <a:fld id="{B5AD2EC3-4702-48B0-975B-A65B14A99826}" type="datetime1">
               <a:rPr lang="en-US" smtClean="0"/>
-              <a:t>10/15/2018</a:t>
+              <a:t>10/28/2018</a:t>
             </a:fld>
             <a:endParaRPr lang="en-US"/>
           </a:p>
@@ -5921,7 +5922,7 @@
           <a:p>
             <a:fld id="{CA41493D-1E6A-4BBB-BB5B-DFB8D6DDCE8C}" type="datetime1">
               <a:rPr lang="en-US" smtClean="0"/>
-              <a:t>10/15/2018</a:t>
+              <a:t>10/28/2018</a:t>
             </a:fld>
             <a:endParaRPr lang="en-US"/>
           </a:p>
@@ -6040,7 +6041,7 @@
           <a:p>
             <a:fld id="{F593F7B0-3813-49F5-BD38-B8089D3A91C4}" type="datetime1">
               <a:rPr lang="en-US" smtClean="0"/>
-              <a:t>10/15/2018</a:t>
+              <a:t>10/28/2018</a:t>
             </a:fld>
             <a:endParaRPr lang="en-US"/>
           </a:p>
@@ -6131,7 +6132,7 @@
           <a:p>
             <a:fld id="{DDE3319A-DB6F-4D9E-8AC7-36F6CFA8A881}" type="datetime1">
               <a:rPr lang="en-US" smtClean="0"/>
-              <a:t>10/15/2018</a:t>
+              <a:t>10/28/2018</a:t>
             </a:fld>
             <a:endParaRPr lang="en-US"/>
           </a:p>
@@ -6382,7 +6383,7 @@
           <a:p>
             <a:fld id="{61DDD1FB-837C-481A-85BA-A895D31EFBFA}" type="datetime1">
               <a:rPr lang="en-US" smtClean="0"/>
-              <a:t>10/15/2018</a:t>
+              <a:t>10/28/2018</a:t>
             </a:fld>
             <a:endParaRPr lang="en-US"/>
           </a:p>
@@ -6639,7 +6640,7 @@
           <a:p>
             <a:fld id="{384C67AF-88C4-4875-B66E-A66C53E68BCB}" type="datetime1">
               <a:rPr lang="en-US" smtClean="0"/>
-              <a:t>10/15/2018</a:t>
+              <a:t>10/28/2018</a:t>
             </a:fld>
             <a:endParaRPr lang="en-US"/>
           </a:p>
@@ -7378,7 +7379,7 @@
           <a:p>
             <a:fld id="{A19010FC-F161-4142-8911-536940E82B9A}" type="datetime1">
               <a:rPr lang="en-US" smtClean="0"/>
-              <a:t>10/15/2018</a:t>
+              <a:t>10/28/2018</a:t>
             </a:fld>
             <a:endParaRPr lang="en-US"/>
           </a:p>
@@ -16389,14 +16390,14 @@
             <p:ph idx="1"/>
             <p:extLst>
               <p:ext uri="{D42A27DB-BD31-4B8C-83A1-F6EECF244321}">
-                <p14:modId xmlns:p14="http://schemas.microsoft.com/office/powerpoint/2010/main" val="822662111"/>
+                <p14:modId xmlns:p14="http://schemas.microsoft.com/office/powerpoint/2010/main" val="1812893999"/>
               </p:ext>
             </p:extLst>
           </p:nvPr>
         </p:nvGraphicFramePr>
         <p:xfrm>
           <a:off x="677334" y="2973187"/>
-          <a:ext cx="9554321" cy="2748280"/>
+          <a:ext cx="9554321" cy="3022600"/>
         </p:xfrm>
         <a:graphic>
           <a:graphicData uri="http://schemas.openxmlformats.org/drawingml/2006/table">
@@ -16560,7 +16561,7 @@
                           <a:ea typeface="+mn-ea"/>
                           <a:cs typeface="+mn-cs"/>
                         </a:rPr>
-                        <a:t>\b(\w+)(\s)(\w+)\b</a:t>
+                        <a:t>\b(\w+)\s(\w+)\b</a:t>
                       </a:r>
                       <a:r>
                         <a:rPr lang="en-US" dirty="0">
@@ -16572,6 +16573,23 @@
                       </a:r>
                     </a:p>
                     <a:p>
+                      <a:pPr marL="0" marR="0" lvl="0" indent="0" algn="l" defTabSz="457200" rtl="0" eaLnBrk="1" fontAlgn="auto" latinLnBrk="0" hangingPunct="1">
+                        <a:lnSpc>
+                          <a:spcPct val="100000"/>
+                        </a:lnSpc>
+                        <a:spcBef>
+                          <a:spcPts val="0"/>
+                        </a:spcBef>
+                        <a:spcAft>
+                          <a:spcPts val="0"/>
+                        </a:spcAft>
+                        <a:buClrTx/>
+                        <a:buSzTx/>
+                        <a:buFontTx/>
+                        <a:buNone/>
+                        <a:tabLst/>
+                        <a:defRPr/>
+                      </a:pPr>
                       <a:r>
                         <a:rPr lang="en-US" dirty="0"/>
                         <a:t>Replacement = </a:t>
@@ -16594,7 +16612,7 @@
                           <a:ea typeface="+mn-ea"/>
                           <a:cs typeface="+mn-cs"/>
                         </a:rPr>
-                        <a:t>$3$2$1</a:t>
+                        <a:t>$2 $1</a:t>
                       </a:r>
                       <a:r>
                         <a:rPr lang="en-US" dirty="0">
@@ -16604,6 +16622,59 @@
                         </a:rPr>
                         <a:t>”</a:t>
                       </a:r>
+                      <a:br>
+                        <a:rPr lang="en-US" dirty="0">
+                          <a:solidFill>
+                            <a:srgbClr val="C00000"/>
+                          </a:solidFill>
+                        </a:rPr>
+                      </a:br>
+                      <a:r>
+                        <a:rPr lang="en-US" sz="1800" kern="1200" dirty="0">
+                          <a:solidFill>
+                            <a:schemeClr val="accent2">
+                              <a:lumMod val="75000"/>
+                            </a:schemeClr>
+                          </a:solidFill>
+                          <a:latin typeface="+mn-lt"/>
+                          <a:ea typeface="+mn-ea"/>
+                          <a:cs typeface="+mn-cs"/>
+                        </a:rPr>
+                        <a:t>/*var res = </a:t>
+                      </a:r>
+                      <a:r>
+                        <a:rPr lang="en-US" sz="1800" kern="1200" dirty="0" err="1">
+                          <a:solidFill>
+                            <a:schemeClr val="accent2">
+                              <a:lumMod val="75000"/>
+                            </a:schemeClr>
+                          </a:solidFill>
+                          <a:latin typeface="+mn-lt"/>
+                          <a:ea typeface="+mn-ea"/>
+                          <a:cs typeface="+mn-cs"/>
+                        </a:rPr>
+                        <a:t>re.Replace</a:t>
+                      </a:r>
+                      <a:r>
+                        <a:rPr lang="en-US" sz="1800" kern="1200" dirty="0">
+                          <a:solidFill>
+                            <a:schemeClr val="accent2">
+                              <a:lumMod val="75000"/>
+                            </a:schemeClr>
+                          </a:solidFill>
+                          <a:latin typeface="+mn-lt"/>
+                          <a:ea typeface="+mn-ea"/>
+                          <a:cs typeface="+mn-cs"/>
+                        </a:rPr>
+                        <a:t>(text, replacement, 1);*/</a:t>
+                      </a:r>
+                      <a:endParaRPr lang="en-US" dirty="0">
+                        <a:solidFill>
+                          <a:schemeClr val="accent2">
+                            <a:lumMod val="75000"/>
+                          </a:schemeClr>
+                        </a:solidFill>
+                      </a:endParaRPr>
                     </a:p>
                     <a:p>
                       <a:r>
@@ -21765,7 +21836,7 @@
           <p:cNvPr id="2" name="Title 1">
             <a:extLst>
               <a:ext uri="{FF2B5EF4-FFF2-40B4-BE49-F238E27FC236}">
-                <a16:creationId xmlns:a16="http://schemas.microsoft.com/office/drawing/2014/main" id="{865EE597-E2D9-4048-9CDC-DDFCEFA723D4}"/>
+                <a16:creationId xmlns:a16="http://schemas.microsoft.com/office/drawing/2014/main" id="{47CCC523-8E8A-43A5-AF7A-2A843FF5D172}"/>
               </a:ext>
             </a:extLst>
           </p:cNvPr>
@@ -21782,9 +21853,21 @@
           <a:lstStyle/>
           <a:p>
             <a:r>
-              <a:rPr lang="en-US"/>
-              <a:t>Part five</a:t>
-            </a:r>
+              <a:rPr lang="en-US" dirty="0"/>
+              <a:t>Not in presentation</a:t>
+            </a:r>
+            <a:br>
+              <a:rPr lang="en-US" dirty="0"/>
+            </a:br>
+            <a:r>
+              <a:rPr lang="en-US" sz="2800" dirty="0"/>
+              <a:t>Capture and </a:t>
+            </a:r>
+            <a:r>
+              <a:rPr lang="en-US" sz="2800" dirty="0" err="1"/>
+              <a:t>CaptureCollection</a:t>
+            </a:r>
+            <a:endParaRPr lang="en-US" sz="2800" dirty="0"/>
           </a:p>
         </p:txBody>
       </p:sp>
@@ -21793,7 +21876,7 @@
           <p:cNvPr id="3" name="Content Placeholder 2">
             <a:extLst>
               <a:ext uri="{FF2B5EF4-FFF2-40B4-BE49-F238E27FC236}">
-                <a16:creationId xmlns:a16="http://schemas.microsoft.com/office/drawing/2014/main" id="{38D6E97D-5D5C-4E2C-93F9-527671D2CA0A}"/>
+                <a16:creationId xmlns:a16="http://schemas.microsoft.com/office/drawing/2014/main" id="{423F7F18-2372-4145-8F95-ED0581E79D42}"/>
               </a:ext>
             </a:extLst>
           </p:cNvPr>
@@ -21806,25 +21889,270 @@
         </p:nvSpPr>
         <p:spPr/>
         <p:txBody>
-          <a:bodyPr/>
+          <a:bodyPr>
+            <a:normAutofit/>
+          </a:bodyPr>
           <a:lstStyle/>
           <a:p>
-            <a:pPr marL="0" indent="0">
-              <a:buNone/>
+            <a:r>
+              <a:rPr lang="en-US" dirty="0" err="1"/>
+              <a:t>Match.Gropus</a:t>
+            </a:r>
+            <a:r>
+              <a:rPr lang="en-US" dirty="0"/>
+              <a:t>[xxx] has</a:t>
+            </a:r>
+          </a:p>
+          <a:p>
+            <a:pPr lvl="1">
+              <a:spcBef>
+                <a:spcPts val="0"/>
+              </a:spcBef>
             </a:pPr>
-            <a:endParaRPr lang="en-US"/>
-          </a:p>
-          <a:p>
-            <a:pPr marL="0" indent="0">
-              <a:buNone/>
+            <a:r>
+              <a:rPr lang="en-US" dirty="0"/>
+              <a:t>Value		-&gt; string</a:t>
+            </a:r>
+          </a:p>
+          <a:p>
+            <a:pPr lvl="1">
+              <a:spcBef>
+                <a:spcPts val="0"/>
+              </a:spcBef>
             </a:pPr>
-            <a:endParaRPr lang="en-US"/>
-          </a:p>
-          <a:p>
-            <a:r>
-              <a:rPr lang="en-US" sz="3600"/>
-              <a:t>Last thoughts and reference</a:t>
-            </a:r>
+            <a:r>
+              <a:rPr lang="en-US" dirty="0"/>
+              <a:t>Success	-&gt; bool</a:t>
+            </a:r>
+          </a:p>
+          <a:p>
+            <a:pPr lvl="1">
+              <a:spcBef>
+                <a:spcPts val="0"/>
+              </a:spcBef>
+            </a:pPr>
+            <a:r>
+              <a:rPr lang="en-US" dirty="0"/>
+              <a:t>Captures	-&gt; </a:t>
+            </a:r>
+            <a:r>
+              <a:rPr lang="en-US" dirty="0" err="1"/>
+              <a:t>CaptureCollection</a:t>
+            </a:r>
+            <a:endParaRPr lang="en-US" dirty="0"/>
+          </a:p>
+          <a:p>
+            <a:r>
+              <a:rPr lang="en-US" dirty="0" err="1"/>
+              <a:t>CaptureCollection</a:t>
+            </a:r>
+            <a:r>
+              <a:rPr lang="en-US" dirty="0"/>
+              <a:t> captures all </a:t>
+            </a:r>
+            <a:r>
+              <a:rPr lang="en-US" dirty="0" err="1"/>
+              <a:t>match.Groups</a:t>
+            </a:r>
+            <a:r>
+              <a:rPr lang="en-US" dirty="0"/>
+              <a:t>[xxx].Value</a:t>
+            </a:r>
+          </a:p>
+          <a:p>
+            <a:r>
+              <a:rPr lang="en-US" dirty="0"/>
+              <a:t>Example</a:t>
+            </a:r>
+          </a:p>
+          <a:p>
+            <a:pPr lvl="1">
+              <a:spcBef>
+                <a:spcPts val="0"/>
+              </a:spcBef>
+            </a:pPr>
+            <a:r>
+              <a:rPr lang="en-US" dirty="0">
+                <a:solidFill>
+                  <a:srgbClr val="0070C0"/>
+                </a:solidFill>
+              </a:rPr>
+              <a:t>var</a:t>
+            </a:r>
+            <a:r>
+              <a:rPr lang="en-US" dirty="0"/>
+              <a:t> text = </a:t>
+            </a:r>
+            <a:r>
+              <a:rPr lang="en-US" dirty="0">
+                <a:solidFill>
+                  <a:srgbClr val="C00000"/>
+                </a:solidFill>
+              </a:rPr>
+              <a:t>"The silver fox jumped over the lazy dog "</a:t>
+            </a:r>
+            <a:r>
+              <a:rPr lang="en-US" dirty="0"/>
+              <a:t>;</a:t>
+            </a:r>
+            <a:br>
+              <a:rPr lang="en-US" dirty="0"/>
+            </a:br>
+            <a:r>
+              <a:rPr lang="en-US" dirty="0">
+                <a:solidFill>
+                  <a:srgbClr val="0070C0"/>
+                </a:solidFill>
+              </a:rPr>
+              <a:t>var</a:t>
+            </a:r>
+            <a:r>
+              <a:rPr lang="en-US" dirty="0"/>
+              <a:t> pat = </a:t>
+            </a:r>
+            <a:r>
+              <a:rPr lang="en-US" dirty="0">
+                <a:solidFill>
+                  <a:srgbClr val="C00000"/>
+                </a:solidFill>
+              </a:rPr>
+              <a:t>@"(?&lt;sentence&gt;((?&lt;word&gt;\w+)\s)+)"</a:t>
+            </a:r>
+            <a:r>
+              <a:rPr lang="en-US" dirty="0"/>
+              <a:t>;</a:t>
+            </a:r>
+            <a:br>
+              <a:rPr lang="en-US" dirty="0"/>
+            </a:br>
+            <a:r>
+              <a:rPr lang="en-US" dirty="0">
+                <a:solidFill>
+                  <a:srgbClr val="0070C0"/>
+                </a:solidFill>
+              </a:rPr>
+              <a:t>var</a:t>
+            </a:r>
+            <a:r>
+              <a:rPr lang="en-US" dirty="0"/>
+              <a:t> re = new Regex(pat);</a:t>
+            </a:r>
+            <a:br>
+              <a:rPr lang="en-US" dirty="0"/>
+            </a:br>
+            <a:r>
+              <a:rPr lang="en-US" dirty="0">
+                <a:solidFill>
+                  <a:srgbClr val="0070C0"/>
+                </a:solidFill>
+              </a:rPr>
+              <a:t>var</a:t>
+            </a:r>
+            <a:r>
+              <a:rPr lang="en-US" dirty="0"/>
+              <a:t> m = </a:t>
+            </a:r>
+            <a:r>
+              <a:rPr lang="en-US" dirty="0" err="1"/>
+              <a:t>re.Match</a:t>
+            </a:r>
+            <a:r>
+              <a:rPr lang="en-US" dirty="0"/>
+              <a:t>(text);</a:t>
+            </a:r>
+            <a:br>
+              <a:rPr lang="en-US" dirty="0"/>
+            </a:br>
+            <a:r>
+              <a:rPr lang="en-US" dirty="0">
+                <a:solidFill>
+                  <a:srgbClr val="0070C0"/>
+                </a:solidFill>
+              </a:rPr>
+              <a:t>var</a:t>
+            </a:r>
+            <a:r>
+              <a:rPr lang="en-US" dirty="0"/>
+              <a:t> cs = </a:t>
+            </a:r>
+            <a:r>
+              <a:rPr lang="en-US" dirty="0" err="1"/>
+              <a:t>m.Groups</a:t>
+            </a:r>
+            <a:r>
+              <a:rPr lang="en-US" dirty="0"/>
+              <a:t>[</a:t>
+            </a:r>
+            <a:r>
+              <a:rPr lang="en-US" dirty="0">
+                <a:solidFill>
+                  <a:srgbClr val="C00000"/>
+                </a:solidFill>
+              </a:rPr>
+              <a:t>"word"</a:t>
+            </a:r>
+            <a:r>
+              <a:rPr lang="en-US" dirty="0"/>
+              <a:t>].Captures;</a:t>
+            </a:r>
+            <a:br>
+              <a:rPr lang="en-US" dirty="0"/>
+            </a:br>
+            <a:r>
+              <a:rPr lang="en-US" dirty="0">
+                <a:solidFill>
+                  <a:srgbClr val="0070C0"/>
+                </a:solidFill>
+              </a:rPr>
+              <a:t>foreach</a:t>
+            </a:r>
+            <a:r>
+              <a:rPr lang="en-US" dirty="0"/>
+              <a:t> (Capture c </a:t>
+            </a:r>
+            <a:r>
+              <a:rPr lang="en-US" dirty="0">
+                <a:solidFill>
+                  <a:srgbClr val="0070C0"/>
+                </a:solidFill>
+              </a:rPr>
+              <a:t>in</a:t>
+            </a:r>
+            <a:r>
+              <a:rPr lang="en-US" dirty="0"/>
+              <a:t> cs)</a:t>
+            </a:r>
+            <a:br>
+              <a:rPr lang="en-US" dirty="0"/>
+            </a:br>
+            <a:r>
+              <a:rPr lang="en-US" dirty="0"/>
+              <a:t>	</a:t>
+            </a:r>
+            <a:r>
+              <a:rPr lang="en-US" dirty="0" err="1"/>
+              <a:t>Console.WriteLine</a:t>
+            </a:r>
+            <a:r>
+              <a:rPr lang="en-US" dirty="0"/>
+              <a:t>(</a:t>
+            </a:r>
+            <a:r>
+              <a:rPr lang="en-US" dirty="0" err="1"/>
+              <a:t>c.Value</a:t>
+            </a:r>
+            <a:r>
+              <a:rPr lang="en-US" dirty="0"/>
+              <a:t>);</a:t>
+            </a:r>
+          </a:p>
+          <a:p>
+            <a:pPr lvl="1"/>
+            <a:endParaRPr lang="en-US" dirty="0"/>
+          </a:p>
+          <a:p>
+            <a:pPr lvl="1"/>
+            <a:endParaRPr lang="en-US" dirty="0"/>
           </a:p>
         </p:txBody>
       </p:sp>
@@ -21833,7 +22161,7 @@
           <p:cNvPr id="4" name="Slide Number Placeholder 3">
             <a:extLst>
               <a:ext uri="{FF2B5EF4-FFF2-40B4-BE49-F238E27FC236}">
-                <a16:creationId xmlns:a16="http://schemas.microsoft.com/office/drawing/2014/main" id="{A7F78EC6-5C74-4CE3-8A8D-4331F2D4FDF9}"/>
+                <a16:creationId xmlns:a16="http://schemas.microsoft.com/office/drawing/2014/main" id="{DA454339-186D-4E29-8B5C-4C05F46EC3D3}"/>
               </a:ext>
             </a:extLst>
           </p:cNvPr>
@@ -21858,10 +22186,94 @@
           </a:p>
         </p:txBody>
       </p:sp>
+      <p:sp>
+        <p:nvSpPr>
+          <p:cNvPr id="5" name="TextBox 4">
+            <a:extLst>
+              <a:ext uri="{FF2B5EF4-FFF2-40B4-BE49-F238E27FC236}">
+                <a16:creationId xmlns:a16="http://schemas.microsoft.com/office/drawing/2014/main" id="{E789B32E-2A4E-496C-82E6-BEEE51F42256}"/>
+              </a:ext>
+            </a:extLst>
+          </p:cNvPr>
+          <p:cNvSpPr txBox="1"/>
+          <p:nvPr/>
+        </p:nvSpPr>
+        <p:spPr>
+          <a:xfrm>
+            <a:off x="8094934" y="3773439"/>
+            <a:ext cx="1414914" cy="2308324"/>
+          </a:xfrm>
+          <a:prstGeom prst="rect">
+            <a:avLst/>
+          </a:prstGeom>
+          <a:noFill/>
+        </p:spPr>
+        <p:txBody>
+          <a:bodyPr wrap="square" rtlCol="0">
+            <a:spAutoFit/>
+          </a:bodyPr>
+          <a:lstStyle/>
+          <a:p>
+            <a:r>
+              <a:rPr lang="en-US" dirty="0"/>
+              <a:t>The</a:t>
+            </a:r>
+            <a:br>
+              <a:rPr lang="en-US" dirty="0"/>
+            </a:br>
+            <a:r>
+              <a:rPr lang="en-US" dirty="0"/>
+              <a:t>silver</a:t>
+            </a:r>
+            <a:br>
+              <a:rPr lang="en-US" dirty="0"/>
+            </a:br>
+            <a:r>
+              <a:rPr lang="en-US" dirty="0"/>
+              <a:t>fox</a:t>
+            </a:r>
+            <a:br>
+              <a:rPr lang="en-US" dirty="0"/>
+            </a:br>
+            <a:r>
+              <a:rPr lang="en-US" dirty="0"/>
+              <a:t>jumped</a:t>
+            </a:r>
+            <a:br>
+              <a:rPr lang="en-US" dirty="0"/>
+            </a:br>
+            <a:r>
+              <a:rPr lang="en-US" dirty="0"/>
+              <a:t>over</a:t>
+            </a:r>
+            <a:br>
+              <a:rPr lang="en-US" dirty="0"/>
+            </a:br>
+            <a:r>
+              <a:rPr lang="en-US" dirty="0"/>
+              <a:t>the</a:t>
+            </a:r>
+            <a:br>
+              <a:rPr lang="en-US" dirty="0"/>
+            </a:br>
+            <a:r>
+              <a:rPr lang="en-US" dirty="0"/>
+              <a:t>lazy</a:t>
+            </a:r>
+            <a:br>
+              <a:rPr lang="en-US" dirty="0"/>
+            </a:br>
+            <a:r>
+              <a:rPr lang="en-US" dirty="0"/>
+              <a:t>dog</a:t>
+            </a:r>
+          </a:p>
+        </p:txBody>
+      </p:sp>
     </p:spTree>
     <p:extLst>
       <p:ext uri="{BB962C8B-B14F-4D97-AF65-F5344CB8AC3E}">
-        <p14:creationId xmlns:p14="http://schemas.microsoft.com/office/powerpoint/2010/main" val="2264802255"/>
+        <p14:creationId xmlns:p14="http://schemas.microsoft.com/office/powerpoint/2010/main" val="1891483175"/>
       </p:ext>
     </p:extLst>
   </p:cSld>
@@ -21893,7 +22305,7 @@
           <p:cNvPr id="2" name="Title 1">
             <a:extLst>
               <a:ext uri="{FF2B5EF4-FFF2-40B4-BE49-F238E27FC236}">
-                <a16:creationId xmlns:a16="http://schemas.microsoft.com/office/drawing/2014/main" id="{06A5B6DF-C9DC-40BA-999A-95CABFDEC62D}"/>
+                <a16:creationId xmlns:a16="http://schemas.microsoft.com/office/drawing/2014/main" id="{865EE597-E2D9-4048-9CDC-DDFCEFA723D4}"/>
               </a:ext>
             </a:extLst>
           </p:cNvPr>
@@ -21904,28 +22316,14 @@
             <p:ph type="title"/>
           </p:nvPr>
         </p:nvSpPr>
-        <p:spPr>
-          <a:xfrm>
-            <a:off x="677334" y="428325"/>
-            <a:ext cx="8596668" cy="1103697"/>
-          </a:xfrm>
-        </p:spPr>
-        <p:txBody>
-          <a:bodyPr>
-            <a:normAutofit fontScale="90000"/>
-          </a:bodyPr>
+        <p:spPr/>
+        <p:txBody>
+          <a:bodyPr/>
           <a:lstStyle/>
           <a:p>
             <a:r>
-              <a:rPr lang="en-US" sz="4000" dirty="0"/>
+              <a:rPr lang="en-US"/>
               <a:t>Part five</a:t>
-            </a:r>
-            <a:br>
-              <a:rPr lang="en-US" sz="4000" dirty="0"/>
-            </a:br>
-            <a:r>
-              <a:rPr lang="en-US" dirty="0"/>
-              <a:t>Last thoughts</a:t>
             </a:r>
           </a:p>
         </p:txBody>
@@ -21935,7 +22333,7 @@
           <p:cNvPr id="3" name="Content Placeholder 2">
             <a:extLst>
               <a:ext uri="{FF2B5EF4-FFF2-40B4-BE49-F238E27FC236}">
-                <a16:creationId xmlns:a16="http://schemas.microsoft.com/office/drawing/2014/main" id="{C5B337A4-1CFA-485D-9774-A1EE829BD286}"/>
+                <a16:creationId xmlns:a16="http://schemas.microsoft.com/office/drawing/2014/main" id="{38D6E97D-5D5C-4E2C-93F9-527671D2CA0A}"/>
               </a:ext>
             </a:extLst>
           </p:cNvPr>
@@ -21946,122 +22344,27 @@
             <p:ph idx="1"/>
           </p:nvPr>
         </p:nvSpPr>
-        <p:spPr>
-          <a:xfrm>
-            <a:off x="677334" y="2127183"/>
-            <a:ext cx="8433110" cy="4302492"/>
-          </a:xfrm>
-        </p:spPr>
-        <p:txBody>
-          <a:bodyPr>
-            <a:normAutofit/>
-          </a:bodyPr>
+        <p:spPr/>
+        <p:txBody>
+          <a:bodyPr/>
           <a:lstStyle/>
-          <a:p>
-            <a:r>
-              <a:rPr lang="en-US" dirty="0"/>
-              <a:t>We did </a:t>
-            </a:r>
-            <a:r>
-              <a:rPr lang="en-US" b="1" u="sng" dirty="0"/>
-              <a:t>not</a:t>
-            </a:r>
-            <a:r>
-              <a:rPr lang="en-US" dirty="0"/>
-              <a:t> cover the entire set of possibilities of RE</a:t>
-            </a:r>
-          </a:p>
           <a:p>
             <a:pPr marL="0" indent="0">
               <a:buNone/>
             </a:pPr>
-            <a:endParaRPr lang="en-US" dirty="0"/>
-          </a:p>
-          <a:p>
-            <a:r>
-              <a:rPr lang="en-US" b="1" dirty="0"/>
-              <a:t>Test</a:t>
-            </a:r>
-            <a:r>
-              <a:rPr lang="en-US" dirty="0"/>
-              <a:t> your regular expression patterns before committing them to code.  Search for “.net regular expression tester”.  Ex: </a:t>
-            </a:r>
-            <a:r>
-              <a:rPr lang="en-US" dirty="0">
-                <a:hlinkClick r:id="rId3"/>
-              </a:rPr>
-              <a:t>http://derekslager.com/blog/posts/2007/09/a-better-dotnet-regular-expression-tester.ashx</a:t>
-            </a:r>
-            <a:endParaRPr lang="en-US" dirty="0"/>
-          </a:p>
-          <a:p>
-            <a:endParaRPr lang="en-US" dirty="0"/>
-          </a:p>
-          <a:p>
-            <a:r>
-              <a:rPr lang="en-US" dirty="0">
-                <a:solidFill>
-                  <a:srgbClr val="002060"/>
-                </a:solidFill>
-                <a:highlight>
-                  <a:srgbClr val="FFFF00"/>
-                </a:highlight>
-              </a:rPr>
-              <a:t>More resources</a:t>
-            </a:r>
-            <a:r>
-              <a:rPr lang="en-US" dirty="0">
-                <a:highlight>
-                  <a:srgbClr val="FFFF00"/>
-                </a:highlight>
-              </a:rPr>
-              <a:t>: </a:t>
-            </a:r>
-            <a:r>
-              <a:rPr lang="en-US" dirty="0">
-                <a:solidFill>
-                  <a:srgbClr val="0070C0"/>
-                </a:solidFill>
-                <a:highlight>
-                  <a:srgbClr val="FFFF00"/>
-                </a:highlight>
-                <a:hlinkClick r:id="rId4">
-                  <a:extLst>
-                    <a:ext uri="{A12FA001-AC4F-418D-AE19-62706E023703}">
-                      <ahyp:hlinkClr xmlns:ahyp="http://schemas.microsoft.com/office/drawing/2018/hyperlinkcolor" val="tx"/>
-                    </a:ext>
-                  </a:extLst>
-                </a:hlinkClick>
-              </a:rPr>
-              <a:t>http://www.regular-expressions.info/</a:t>
-            </a:r>
-            <a:endParaRPr lang="en-US" dirty="0">
-              <a:solidFill>
-                <a:srgbClr val="0070C0"/>
-              </a:solidFill>
-              <a:highlight>
-                <a:srgbClr val="FFFF00"/>
-              </a:highlight>
-            </a:endParaRPr>
-          </a:p>
-          <a:p>
-            <a:endParaRPr lang="en-US" dirty="0"/>
-          </a:p>
-          <a:p>
-            <a:r>
-              <a:rPr lang="en-US" dirty="0"/>
-              <a:t>Book: Mastering Regular Expressions </a:t>
-            </a:r>
-            <a:r>
-              <a:rPr lang="en-US" dirty="0">
-                <a:hlinkClick r:id="rId5"/>
-              </a:rPr>
-              <a:t>https://www.barnesandnoble.com/w/mastering-regular-expressions-jeffrey-e-f-friedl/1100323112?ean=9781449332532</a:t>
-            </a:r>
-            <a:endParaRPr lang="en-US" dirty="0"/>
-          </a:p>
-          <a:p>
-            <a:endParaRPr lang="en-US" dirty="0"/>
+            <a:endParaRPr lang="en-US"/>
+          </a:p>
+          <a:p>
+            <a:pPr marL="0" indent="0">
+              <a:buNone/>
+            </a:pPr>
+            <a:endParaRPr lang="en-US"/>
+          </a:p>
+          <a:p>
+            <a:r>
+              <a:rPr lang="en-US" sz="3600"/>
+              <a:t>Last thoughts and reference</a:t>
+            </a:r>
           </a:p>
         </p:txBody>
       </p:sp>
@@ -22070,7 +22373,7 @@
           <p:cNvPr id="4" name="Slide Number Placeholder 3">
             <a:extLst>
               <a:ext uri="{FF2B5EF4-FFF2-40B4-BE49-F238E27FC236}">
-                <a16:creationId xmlns:a16="http://schemas.microsoft.com/office/drawing/2014/main" id="{7AAB746A-DDFC-4C2C-9A04-07CF1A9089C5}"/>
+                <a16:creationId xmlns:a16="http://schemas.microsoft.com/office/drawing/2014/main" id="{A7F78EC6-5C74-4CE3-8A8D-4331F2D4FDF9}"/>
               </a:ext>
             </a:extLst>
           </p:cNvPr>
@@ -22098,7 +22401,7 @@
     </p:spTree>
     <p:extLst>
       <p:ext uri="{BB962C8B-B14F-4D97-AF65-F5344CB8AC3E}">
-        <p14:creationId xmlns:p14="http://schemas.microsoft.com/office/powerpoint/2010/main" val="548549161"/>
+        <p14:creationId xmlns:p14="http://schemas.microsoft.com/office/powerpoint/2010/main" val="2264802255"/>
       </p:ext>
     </p:extLst>
   </p:cSld>
@@ -22130,7 +22433,7 @@
           <p:cNvPr id="2" name="Title 1">
             <a:extLst>
               <a:ext uri="{FF2B5EF4-FFF2-40B4-BE49-F238E27FC236}">
-                <a16:creationId xmlns:a16="http://schemas.microsoft.com/office/drawing/2014/main" id="{2034D3E3-0EC0-4F1C-AED6-53DCAC9B3317}"/>
+                <a16:creationId xmlns:a16="http://schemas.microsoft.com/office/drawing/2014/main" id="{06A5B6DF-C9DC-40BA-999A-95CABFDEC62D}"/>
               </a:ext>
             </a:extLst>
           </p:cNvPr>
@@ -22143,24 +22446,26 @@
         </p:nvSpPr>
         <p:spPr>
           <a:xfrm>
-            <a:off x="677334" y="609600"/>
-            <a:ext cx="8596668" cy="1092845"/>
+            <a:off x="677334" y="428325"/>
+            <a:ext cx="8596668" cy="1103697"/>
           </a:xfrm>
         </p:spPr>
         <p:txBody>
-          <a:bodyPr/>
+          <a:bodyPr>
+            <a:normAutofit fontScale="90000"/>
+          </a:bodyPr>
           <a:lstStyle/>
           <a:p>
             <a:r>
-              <a:rPr lang="en-US"/>
+              <a:rPr lang="en-US" sz="4000" dirty="0"/>
               <a:t>Part five</a:t>
             </a:r>
             <a:br>
-              <a:rPr lang="en-US"/>
+              <a:rPr lang="en-US" sz="4000" dirty="0"/>
             </a:br>
             <a:r>
-              <a:rPr lang="en-US" sz="2800"/>
-              <a:t>References</a:t>
+              <a:rPr lang="en-US" dirty="0"/>
+              <a:t>Last thoughts</a:t>
             </a:r>
           </a:p>
         </p:txBody>
@@ -22170,7 +22475,7 @@
           <p:cNvPr id="3" name="Content Placeholder 2">
             <a:extLst>
               <a:ext uri="{FF2B5EF4-FFF2-40B4-BE49-F238E27FC236}">
-                <a16:creationId xmlns:a16="http://schemas.microsoft.com/office/drawing/2014/main" id="{D3333D54-4310-4CD0-858C-9E118439B95F}"/>
+                <a16:creationId xmlns:a16="http://schemas.microsoft.com/office/drawing/2014/main" id="{C5B337A4-1CFA-485D-9774-A1EE829BD286}"/>
               </a:ext>
             </a:extLst>
           </p:cNvPr>
@@ -22183,8 +22488,8 @@
         </p:nvSpPr>
         <p:spPr>
           <a:xfrm>
-            <a:off x="677334" y="1867301"/>
-            <a:ext cx="9079062" cy="4648829"/>
+            <a:off x="677334" y="2127183"/>
+            <a:ext cx="8433110" cy="4302492"/>
           </a:xfrm>
         </p:spPr>
         <p:txBody>
@@ -22194,89 +22499,109 @@
           <a:lstStyle/>
           <a:p>
             <a:r>
-              <a:rPr lang="en-US">
-                <a:hlinkClick r:id="rId2"/>
-              </a:rPr>
-              <a:t>docs.microsoft.com</a:t>
-            </a:r>
-            <a:endParaRPr lang="en-US">
-              <a:hlinkClick r:id="rId3"/>
+              <a:rPr lang="en-US" dirty="0"/>
+              <a:t>We did </a:t>
+            </a:r>
+            <a:r>
+              <a:rPr lang="en-US" b="1" u="sng" dirty="0"/>
+              <a:t>not</a:t>
+            </a:r>
+            <a:r>
+              <a:rPr lang="en-US" dirty="0"/>
+              <a:t> cover the entire set of possibilities of RE</a:t>
+            </a:r>
+          </a:p>
+          <a:p>
+            <a:pPr marL="0" indent="0">
+              <a:buNone/>
+            </a:pPr>
+            <a:endParaRPr lang="en-US" dirty="0"/>
+          </a:p>
+          <a:p>
+            <a:r>
+              <a:rPr lang="en-US" b="1" dirty="0"/>
+              <a:t>Test</a:t>
+            </a:r>
+            <a:r>
+              <a:rPr lang="en-US" dirty="0"/>
+              <a:t> your regular expression patterns before committing them to code.  Search for “.net regular expression tester”.  Ex: </a:t>
+            </a:r>
+            <a:r>
+              <a:rPr lang="en-US" dirty="0">
+                <a:hlinkClick r:id="rId3"/>
+              </a:rPr>
+              <a:t>http://derekslager.com/blog/posts/2007/09/a-better-dotnet-regular-expression-tester.ashx</a:t>
+            </a:r>
+            <a:endParaRPr lang="en-US" dirty="0"/>
+          </a:p>
+          <a:p>
+            <a:endParaRPr lang="en-US" dirty="0"/>
+          </a:p>
+          <a:p>
+            <a:r>
+              <a:rPr lang="en-US" dirty="0">
+                <a:solidFill>
+                  <a:srgbClr val="002060"/>
+                </a:solidFill>
+                <a:highlight>
+                  <a:srgbClr val="FFFF00"/>
+                </a:highlight>
+              </a:rPr>
+              <a:t>More resources</a:t>
+            </a:r>
+            <a:r>
+              <a:rPr lang="en-US" dirty="0">
+                <a:highlight>
+                  <a:srgbClr val="FFFF00"/>
+                </a:highlight>
+              </a:rPr>
+              <a:t>: </a:t>
+            </a:r>
+            <a:r>
+              <a:rPr lang="en-US" dirty="0">
+                <a:solidFill>
+                  <a:srgbClr val="0070C0"/>
+                </a:solidFill>
+                <a:highlight>
+                  <a:srgbClr val="FFFF00"/>
+                </a:highlight>
+                <a:hlinkClick r:id="rId4">
+                  <a:extLst>
+                    <a:ext uri="{A12FA001-AC4F-418D-AE19-62706E023703}">
+                      <ahyp:hlinkClr xmlns:ahyp="http://schemas.microsoft.com/office/drawing/2018/hyperlinkcolor" val="tx"/>
+                    </a:ext>
+                  </a:extLst>
+                </a:hlinkClick>
+              </a:rPr>
+              <a:t>http://www.regular-expressions.info/</a:t>
+            </a:r>
+            <a:endParaRPr lang="en-US" dirty="0">
+              <a:solidFill>
+                <a:srgbClr val="0070C0"/>
+              </a:solidFill>
+              <a:highlight>
+                <a:srgbClr val="FFFF00"/>
+              </a:highlight>
             </a:endParaRPr>
           </a:p>
           <a:p>
-            <a:pPr lvl="1"/>
-            <a:r>
-              <a:rPr lang="en-US">
-                <a:hlinkClick r:id="rId3"/>
-              </a:rPr>
-              <a:t>https://docs.microsoft.com/en-us/dotnet/api/system.text.regularexpressions.regex?view=netframework-4.7.2</a:t>
-            </a:r>
-            <a:endParaRPr lang="en-US"/>
-          </a:p>
-          <a:p>
-            <a:pPr lvl="1"/>
-            <a:r>
-              <a:rPr lang="en-US">
-                <a:hlinkClick r:id="rId4"/>
-              </a:rPr>
-              <a:t>https://docs.microsoft.com/en-us/dotnet/api/index</a:t>
-            </a:r>
-            <a:endParaRPr lang="en-US"/>
-          </a:p>
-          <a:p>
-            <a:pPr lvl="1"/>
-            <a:r>
-              <a:rPr lang="en-US">
+            <a:endParaRPr lang="en-US" dirty="0"/>
+          </a:p>
+          <a:p>
+            <a:r>
+              <a:rPr lang="en-US" dirty="0"/>
+              <a:t>Book: Mastering Regular Expressions </a:t>
+            </a:r>
+            <a:r>
+              <a:rPr lang="en-US" dirty="0">
                 <a:hlinkClick r:id="rId5"/>
               </a:rPr>
-              <a:t>https://docs.microsoft.com/en-us/dotnet/standard/base-types/anchors-in-regular-expressions#End</a:t>
-            </a:r>
-            <a:endParaRPr lang="en-US"/>
-          </a:p>
-          <a:p>
-            <a:endParaRPr lang="en-US">
-              <a:hlinkClick r:id="rId6"/>
-            </a:endParaRPr>
-          </a:p>
-          <a:p>
-            <a:r>
-              <a:rPr lang="en-US">
-                <a:hlinkClick r:id="rId6"/>
-              </a:rPr>
-              <a:t>https://Sourceof.net</a:t>
-            </a:r>
-            <a:r>
-              <a:rPr lang="en-US"/>
-              <a:t> </a:t>
-            </a:r>
-          </a:p>
-          <a:p>
-            <a:r>
-              <a:rPr lang="en-US">
-                <a:hlinkClick r:id="rId7"/>
-              </a:rPr>
-              <a:t>https://apisof.net/</a:t>
-            </a:r>
-            <a:endParaRPr lang="en-US"/>
-          </a:p>
-          <a:p>
-            <a:endParaRPr lang="en-US"/>
-          </a:p>
-          <a:p>
-            <a:r>
-              <a:rPr lang="en-US"/>
-              <a:t>Regular Expressions Language</a:t>
-            </a:r>
-            <a:br>
-              <a:rPr lang="en-US"/>
-            </a:br>
-            <a:r>
-              <a:rPr lang="en-US">
-                <a:hlinkClick r:id="rId8"/>
-              </a:rPr>
-              <a:t>https://docs.microsoft.com/en-us/dotnet/standard/base-types/regular-expression-language-quick-reference</a:t>
-            </a:r>
-            <a:endParaRPr lang="en-US"/>
+              <a:t>https://www.barnesandnoble.com/w/mastering-regular-expressions-jeffrey-e-f-friedl/1100323112?ean=9781449332532</a:t>
+            </a:r>
+            <a:endParaRPr lang="en-US" dirty="0"/>
+          </a:p>
+          <a:p>
+            <a:endParaRPr lang="en-US" dirty="0"/>
           </a:p>
         </p:txBody>
       </p:sp>
@@ -22285,7 +22610,7 @@
           <p:cNvPr id="4" name="Slide Number Placeholder 3">
             <a:extLst>
               <a:ext uri="{FF2B5EF4-FFF2-40B4-BE49-F238E27FC236}">
-                <a16:creationId xmlns:a16="http://schemas.microsoft.com/office/drawing/2014/main" id="{3C4EBD5C-E20A-48D3-9E22-05E69D9E629C}"/>
+                <a16:creationId xmlns:a16="http://schemas.microsoft.com/office/drawing/2014/main" id="{7AAB746A-DDFC-4C2C-9A04-07CF1A9089C5}"/>
               </a:ext>
             </a:extLst>
           </p:cNvPr>
@@ -22313,7 +22638,7 @@
     </p:spTree>
     <p:extLst>
       <p:ext uri="{BB962C8B-B14F-4D97-AF65-F5344CB8AC3E}">
-        <p14:creationId xmlns:p14="http://schemas.microsoft.com/office/powerpoint/2010/main" val="3386276066"/>
+        <p14:creationId xmlns:p14="http://schemas.microsoft.com/office/powerpoint/2010/main" val="548549161"/>
       </p:ext>
     </p:extLst>
   </p:cSld>
@@ -22345,6 +22670,221 @@
           <p:cNvPr id="2" name="Title 1">
             <a:extLst>
               <a:ext uri="{FF2B5EF4-FFF2-40B4-BE49-F238E27FC236}">
+                <a16:creationId xmlns:a16="http://schemas.microsoft.com/office/drawing/2014/main" id="{2034D3E3-0EC0-4F1C-AED6-53DCAC9B3317}"/>
+              </a:ext>
+            </a:extLst>
+          </p:cNvPr>
+          <p:cNvSpPr>
+            <a:spLocks noGrp="1"/>
+          </p:cNvSpPr>
+          <p:nvPr>
+            <p:ph type="title"/>
+          </p:nvPr>
+        </p:nvSpPr>
+        <p:spPr>
+          <a:xfrm>
+            <a:off x="677334" y="609600"/>
+            <a:ext cx="8596668" cy="1092845"/>
+          </a:xfrm>
+        </p:spPr>
+        <p:txBody>
+          <a:bodyPr/>
+          <a:lstStyle/>
+          <a:p>
+            <a:r>
+              <a:rPr lang="en-US"/>
+              <a:t>Part five</a:t>
+            </a:r>
+            <a:br>
+              <a:rPr lang="en-US"/>
+            </a:br>
+            <a:r>
+              <a:rPr lang="en-US" sz="2800"/>
+              <a:t>References</a:t>
+            </a:r>
+          </a:p>
+        </p:txBody>
+      </p:sp>
+      <p:sp>
+        <p:nvSpPr>
+          <p:cNvPr id="3" name="Content Placeholder 2">
+            <a:extLst>
+              <a:ext uri="{FF2B5EF4-FFF2-40B4-BE49-F238E27FC236}">
+                <a16:creationId xmlns:a16="http://schemas.microsoft.com/office/drawing/2014/main" id="{D3333D54-4310-4CD0-858C-9E118439B95F}"/>
+              </a:ext>
+            </a:extLst>
+          </p:cNvPr>
+          <p:cNvSpPr>
+            <a:spLocks noGrp="1"/>
+          </p:cNvSpPr>
+          <p:nvPr>
+            <p:ph idx="1"/>
+          </p:nvPr>
+        </p:nvSpPr>
+        <p:spPr>
+          <a:xfrm>
+            <a:off x="677334" y="1867301"/>
+            <a:ext cx="9079062" cy="4648829"/>
+          </a:xfrm>
+        </p:spPr>
+        <p:txBody>
+          <a:bodyPr>
+            <a:normAutofit/>
+          </a:bodyPr>
+          <a:lstStyle/>
+          <a:p>
+            <a:r>
+              <a:rPr lang="en-US">
+                <a:hlinkClick r:id="rId2"/>
+              </a:rPr>
+              <a:t>docs.microsoft.com</a:t>
+            </a:r>
+            <a:endParaRPr lang="en-US">
+              <a:hlinkClick r:id="rId3"/>
+            </a:endParaRPr>
+          </a:p>
+          <a:p>
+            <a:pPr lvl="1"/>
+            <a:r>
+              <a:rPr lang="en-US">
+                <a:hlinkClick r:id="rId3"/>
+              </a:rPr>
+              <a:t>https://docs.microsoft.com/en-us/dotnet/api/system.text.regularexpressions.regex?view=netframework-4.7.2</a:t>
+            </a:r>
+            <a:endParaRPr lang="en-US"/>
+          </a:p>
+          <a:p>
+            <a:pPr lvl="1"/>
+            <a:r>
+              <a:rPr lang="en-US">
+                <a:hlinkClick r:id="rId4"/>
+              </a:rPr>
+              <a:t>https://docs.microsoft.com/en-us/dotnet/api/index</a:t>
+            </a:r>
+            <a:endParaRPr lang="en-US"/>
+          </a:p>
+          <a:p>
+            <a:pPr lvl="1"/>
+            <a:r>
+              <a:rPr lang="en-US">
+                <a:hlinkClick r:id="rId5"/>
+              </a:rPr>
+              <a:t>https://docs.microsoft.com/en-us/dotnet/standard/base-types/anchors-in-regular-expressions#End</a:t>
+            </a:r>
+            <a:endParaRPr lang="en-US"/>
+          </a:p>
+          <a:p>
+            <a:endParaRPr lang="en-US">
+              <a:hlinkClick r:id="rId6"/>
+            </a:endParaRPr>
+          </a:p>
+          <a:p>
+            <a:r>
+              <a:rPr lang="en-US">
+                <a:hlinkClick r:id="rId6"/>
+              </a:rPr>
+              <a:t>https://Sourceof.net</a:t>
+            </a:r>
+            <a:r>
+              <a:rPr lang="en-US"/>
+              <a:t> </a:t>
+            </a:r>
+          </a:p>
+          <a:p>
+            <a:r>
+              <a:rPr lang="en-US">
+                <a:hlinkClick r:id="rId7"/>
+              </a:rPr>
+              <a:t>https://apisof.net/</a:t>
+            </a:r>
+            <a:endParaRPr lang="en-US"/>
+          </a:p>
+          <a:p>
+            <a:endParaRPr lang="en-US"/>
+          </a:p>
+          <a:p>
+            <a:r>
+              <a:rPr lang="en-US"/>
+              <a:t>Regular Expressions Language</a:t>
+            </a:r>
+            <a:br>
+              <a:rPr lang="en-US"/>
+            </a:br>
+            <a:r>
+              <a:rPr lang="en-US">
+                <a:hlinkClick r:id="rId8"/>
+              </a:rPr>
+              <a:t>https://docs.microsoft.com/en-us/dotnet/standard/base-types/regular-expression-language-quick-reference</a:t>
+            </a:r>
+            <a:endParaRPr lang="en-US"/>
+          </a:p>
+        </p:txBody>
+      </p:sp>
+      <p:sp>
+        <p:nvSpPr>
+          <p:cNvPr id="4" name="Slide Number Placeholder 3">
+            <a:extLst>
+              <a:ext uri="{FF2B5EF4-FFF2-40B4-BE49-F238E27FC236}">
+                <a16:creationId xmlns:a16="http://schemas.microsoft.com/office/drawing/2014/main" id="{3C4EBD5C-E20A-48D3-9E22-05E69D9E629C}"/>
+              </a:ext>
+            </a:extLst>
+          </p:cNvPr>
+          <p:cNvSpPr>
+            <a:spLocks noGrp="1"/>
+          </p:cNvSpPr>
+          <p:nvPr>
+            <p:ph type="sldNum" sz="quarter" idx="12"/>
+          </p:nvPr>
+        </p:nvSpPr>
+        <p:spPr/>
+        <p:txBody>
+          <a:bodyPr/>
+          <a:lstStyle/>
+          <a:p>
+            <a:fld id="{D57F1E4F-1CFF-5643-939E-217C01CDF565}" type="slidenum">
+              <a:rPr lang="en-US" smtClean="0"/>
+              <a:pPr/>
+              <a:t>37</a:t>
+            </a:fld>
+            <a:endParaRPr lang="en-US"/>
+          </a:p>
+        </p:txBody>
+      </p:sp>
+    </p:spTree>
+    <p:extLst>
+      <p:ext uri="{BB962C8B-B14F-4D97-AF65-F5344CB8AC3E}">
+        <p14:creationId xmlns:p14="http://schemas.microsoft.com/office/powerpoint/2010/main" val="3386276066"/>
+      </p:ext>
+    </p:extLst>
+  </p:cSld>
+  <p:clrMapOvr>
+    <a:masterClrMapping/>
+  </p:clrMapOvr>
+</p:sld>
+</file>
+
+<file path=ppt/slides/slide38.xml><?xml version="1.0" encoding="utf-8"?>
+<p:sld xmlns:a="http://schemas.openxmlformats.org/drawingml/2006/main" xmlns:r="http://schemas.openxmlformats.org/officeDocument/2006/relationships" xmlns:p="http://schemas.openxmlformats.org/presentationml/2006/main">
+  <p:cSld>
+    <p:spTree>
+      <p:nvGrpSpPr>
+        <p:cNvPr id="1" name=""/>
+        <p:cNvGrpSpPr/>
+        <p:nvPr/>
+      </p:nvGrpSpPr>
+      <p:grpSpPr>
+        <a:xfrm>
+          <a:off x="0" y="0"/>
+          <a:ext cx="0" cy="0"/>
+          <a:chOff x="0" y="0"/>
+          <a:chExt cx="0" cy="0"/>
+        </a:xfrm>
+      </p:grpSpPr>
+      <p:sp>
+        <p:nvSpPr>
+          <p:cNvPr id="2" name="Title 1">
+            <a:extLst>
+              <a:ext uri="{FF2B5EF4-FFF2-40B4-BE49-F238E27FC236}">
                 <a16:creationId xmlns:a16="http://schemas.microsoft.com/office/drawing/2014/main" id="{7A9788B4-30FA-468A-9886-A128B29C5590}"/>
               </a:ext>
             </a:extLst>
@@ -22469,7 +23009,7 @@
             <a:fld id="{D57F1E4F-1CFF-5643-939E-217C01CDF565}" type="slidenum">
               <a:rPr lang="en-US" smtClean="0"/>
               <a:pPr/>
-              <a:t>37</a:t>
+              <a:t>38</a:t>
             </a:fld>
             <a:endParaRPr lang="en-US"/>
           </a:p>

--- a/Regular expression.pptx
+++ b/Regular expression.pptx
@@ -21887,7 +21887,12 @@
             <p:ph idx="1"/>
           </p:nvPr>
         </p:nvSpPr>
-        <p:spPr/>
+        <p:spPr>
+          <a:xfrm>
+            <a:off x="677334" y="2160589"/>
+            <a:ext cx="8596668" cy="4394215"/>
+          </a:xfrm>
+        </p:spPr>
         <p:txBody>
           <a:bodyPr>
             <a:normAutofit/>
@@ -22073,7 +22078,15 @@
             </a:r>
             <a:r>
               <a:rPr lang="en-US" dirty="0"/>
-              <a:t> cs = </a:t>
+              <a:t> </a:t>
+            </a:r>
+            <a:r>
+              <a:rPr lang="en-US" dirty="0" err="1"/>
+              <a:t>lastWord</a:t>
+            </a:r>
+            <a:r>
+              <a:rPr lang="en-US" dirty="0"/>
+              <a:t> = </a:t>
             </a:r>
             <a:r>
               <a:rPr lang="en-US" dirty="0" err="1"/>
@@ -22093,6 +22106,92 @@
             </a:r>
             <a:r>
               <a:rPr lang="en-US" dirty="0"/>
+              <a:t>].Value;</a:t>
+            </a:r>
+            <a:br>
+              <a:rPr lang="en-US" dirty="0"/>
+            </a:br>
+            <a:r>
+              <a:rPr lang="en-US" dirty="0" err="1">
+                <a:solidFill>
+                  <a:srgbClr val="0070C0"/>
+                </a:solidFill>
+              </a:rPr>
+              <a:t>Console</a:t>
+            </a:r>
+            <a:r>
+              <a:rPr lang="en-US" dirty="0" err="1"/>
+              <a:t>.WriteLine</a:t>
+            </a:r>
+            <a:r>
+              <a:rPr lang="en-US" dirty="0"/>
+              <a:t>(</a:t>
+            </a:r>
+            <a:r>
+              <a:rPr lang="en-US" dirty="0">
+                <a:solidFill>
+                  <a:srgbClr val="C00000"/>
+                </a:solidFill>
+              </a:rPr>
+              <a:t>$"Last word: </a:t>
+            </a:r>
+            <a:r>
+              <a:rPr lang="en-US" dirty="0"/>
+              <a:t>{</a:t>
+            </a:r>
+            <a:r>
+              <a:rPr lang="en-US" dirty="0" err="1"/>
+              <a:t>lastWord</a:t>
+            </a:r>
+            <a:r>
+              <a:rPr lang="en-US" dirty="0"/>
+              <a:t>}</a:t>
+            </a:r>
+            <a:r>
+              <a:rPr lang="en-US" dirty="0">
+                <a:solidFill>
+                  <a:srgbClr val="C00000"/>
+                </a:solidFill>
+              </a:rPr>
+              <a:t>"</a:t>
+            </a:r>
+            <a:r>
+              <a:rPr lang="en-US" dirty="0"/>
+              <a:t>);</a:t>
+            </a:r>
+            <a:br>
+              <a:rPr lang="en-US" dirty="0"/>
+            </a:br>
+            <a:r>
+              <a:rPr lang="en-US" dirty="0">
+                <a:solidFill>
+                  <a:srgbClr val="0070C0"/>
+                </a:solidFill>
+              </a:rPr>
+              <a:t>var</a:t>
+            </a:r>
+            <a:r>
+              <a:rPr lang="en-US" dirty="0"/>
+              <a:t> cs = </a:t>
+            </a:r>
+            <a:r>
+              <a:rPr lang="en-US" dirty="0" err="1"/>
+              <a:t>m.Groups</a:t>
+            </a:r>
+            <a:r>
+              <a:rPr lang="en-US" dirty="0"/>
+              <a:t>[</a:t>
+            </a:r>
+            <a:r>
+              <a:rPr lang="en-US" dirty="0">
+                <a:solidFill>
+                  <a:srgbClr val="C00000"/>
+                </a:solidFill>
+              </a:rPr>
+              <a:t>"word"</a:t>
+            </a:r>
+            <a:r>
+              <a:rPr lang="en-US" dirty="0"/>
               <a:t>].Captures;</a:t>
             </a:r>
             <a:br>
@@ -22108,7 +22207,19 @@
             </a:r>
             <a:r>
               <a:rPr lang="en-US" dirty="0"/>
-              <a:t> (Capture c </a:t>
+              <a:t> (</a:t>
+            </a:r>
+            <a:r>
+              <a:rPr lang="en-US" dirty="0">
+                <a:highlight>
+                  <a:srgbClr val="FFFF00"/>
+                </a:highlight>
+              </a:rPr>
+              <a:t>Capture</a:t>
+            </a:r>
+            <a:r>
+              <a:rPr lang="en-US" dirty="0"/>
+              <a:t> c </a:t>
             </a:r>
             <a:r>
               <a:rPr lang="en-US" dirty="0">
@@ -22200,8 +22311,8 @@
         </p:nvSpPr>
         <p:spPr>
           <a:xfrm>
-            <a:off x="8094934" y="3773439"/>
-            <a:ext cx="1414914" cy="2308324"/>
+            <a:off x="7267195" y="3969481"/>
+            <a:ext cx="2006807" cy="2585323"/>
           </a:xfrm>
           <a:prstGeom prst="rect">
             <a:avLst/>
@@ -22214,6 +22325,13 @@
           </a:bodyPr>
           <a:lstStyle/>
           <a:p>
+            <a:r>
+              <a:rPr lang="en-US" dirty="0"/>
+              <a:t>Last word: dog</a:t>
+            </a:r>
+            <a:br>
+              <a:rPr lang="en-US" dirty="0"/>
+            </a:br>
             <a:r>
               <a:rPr lang="en-US" dirty="0"/>
               <a:t>The</a:t>

--- a/Regular expression.pptx
+++ b/Regular expression.pptx
@@ -260,7 +260,7 @@
           <a:p>
             <a:fld id="{8FD72FE2-9D34-441A-BBF8-C43457B3CB86}" type="datetimeFigureOut">
               <a:rPr lang="en-US" smtClean="0"/>
-              <a:t>10/28/2018</a:t>
+              <a:t>10/29/2018</a:t>
             </a:fld>
             <a:endParaRPr lang="en-US"/>
           </a:p>
@@ -2976,7 +2976,7 @@
           <a:p>
             <a:fld id="{C44276A9-7526-4D6F-8860-40780D20FB70}" type="datetime1">
               <a:rPr lang="en-US" smtClean="0"/>
-              <a:t>10/28/2018</a:t>
+              <a:t>10/29/2018</a:t>
             </a:fld>
             <a:endParaRPr lang="en-US"/>
           </a:p>
@@ -3223,7 +3223,7 @@
           <a:p>
             <a:fld id="{DA73BF5B-E6A9-4AD9-9492-C7670EB48B9C}" type="datetime1">
               <a:rPr lang="en-US" smtClean="0"/>
-              <a:t>10/28/2018</a:t>
+              <a:t>10/29/2018</a:t>
             </a:fld>
             <a:endParaRPr lang="en-US"/>
           </a:p>
@@ -3533,7 +3533,7 @@
           <a:p>
             <a:fld id="{35611C89-A768-4986-BC8A-B8AF2ACAC105}" type="datetime1">
               <a:rPr lang="en-US" smtClean="0"/>
-              <a:t>10/28/2018</a:t>
+              <a:t>10/29/2018</a:t>
             </a:fld>
             <a:endParaRPr lang="en-US"/>
           </a:p>
@@ -3870,7 +3870,7 @@
           <a:p>
             <a:fld id="{9A3A3E9E-0A0D-45EA-BEA4-AD822CA400AD}" type="datetime1">
               <a:rPr lang="en-US" smtClean="0"/>
-              <a:t>10/28/2018</a:t>
+              <a:t>10/29/2018</a:t>
             </a:fld>
             <a:endParaRPr lang="en-US"/>
           </a:p>
@@ -4180,7 +4180,7 @@
           <a:p>
             <a:fld id="{ECEBFA12-978A-4BB0-ADD7-3A313390BD79}" type="datetime1">
               <a:rPr lang="en-US" smtClean="0"/>
-              <a:t>10/28/2018</a:t>
+              <a:t>10/29/2018</a:t>
             </a:fld>
             <a:endParaRPr lang="en-US"/>
           </a:p>
@@ -4569,7 +4569,7 @@
           <a:p>
             <a:fld id="{E8DD9845-F79F-4BE7-83DF-9040CC064CF1}" type="datetime1">
               <a:rPr lang="en-US" smtClean="0"/>
-              <a:t>10/28/2018</a:t>
+              <a:t>10/29/2018</a:t>
             </a:fld>
             <a:endParaRPr lang="en-US"/>
           </a:p>
@@ -4735,7 +4735,7 @@
           <a:p>
             <a:fld id="{1E49E2CD-78C6-4946-B39D-64A329306FF6}" type="datetime1">
               <a:rPr lang="en-US" smtClean="0"/>
-              <a:t>10/28/2018</a:t>
+              <a:t>10/29/2018</a:t>
             </a:fld>
             <a:endParaRPr lang="en-US"/>
           </a:p>
@@ -4910,7 +4910,7 @@
           <a:p>
             <a:fld id="{EEE216F6-DF86-456A-8087-621803B16196}" type="datetime1">
               <a:rPr lang="en-US" smtClean="0"/>
-              <a:t>10/28/2018</a:t>
+              <a:t>10/29/2018</a:t>
             </a:fld>
             <a:endParaRPr lang="en-US"/>
           </a:p>
@@ -5082,7 +5082,7 @@
           <a:p>
             <a:fld id="{F9F6332A-FC3F-457D-91BB-C0FFB082B428}" type="datetime1">
               <a:rPr lang="en-US" smtClean="0"/>
-              <a:t>10/28/2018</a:t>
+              <a:t>10/29/2018</a:t>
             </a:fld>
             <a:endParaRPr lang="en-US"/>
           </a:p>
@@ -5325,7 +5325,7 @@
           <a:p>
             <a:fld id="{AB590231-D46D-4502-89B1-B167124EAE52}" type="datetime1">
               <a:rPr lang="en-US" smtClean="0"/>
-              <a:t>10/28/2018</a:t>
+              <a:t>10/29/2018</a:t>
             </a:fld>
             <a:endParaRPr lang="en-US"/>
           </a:p>
@@ -5553,7 +5553,7 @@
           <a:p>
             <a:fld id="{B5AD2EC3-4702-48B0-975B-A65B14A99826}" type="datetime1">
               <a:rPr lang="en-US" smtClean="0"/>
-              <a:t>10/28/2018</a:t>
+              <a:t>10/29/2018</a:t>
             </a:fld>
             <a:endParaRPr lang="en-US"/>
           </a:p>
@@ -5922,7 +5922,7 @@
           <a:p>
             <a:fld id="{CA41493D-1E6A-4BBB-BB5B-DFB8D6DDCE8C}" type="datetime1">
               <a:rPr lang="en-US" smtClean="0"/>
-              <a:t>10/28/2018</a:t>
+              <a:t>10/29/2018</a:t>
             </a:fld>
             <a:endParaRPr lang="en-US"/>
           </a:p>
@@ -6041,7 +6041,7 @@
           <a:p>
             <a:fld id="{F593F7B0-3813-49F5-BD38-B8089D3A91C4}" type="datetime1">
               <a:rPr lang="en-US" smtClean="0"/>
-              <a:t>10/28/2018</a:t>
+              <a:t>10/29/2018</a:t>
             </a:fld>
             <a:endParaRPr lang="en-US"/>
           </a:p>
@@ -6132,7 +6132,7 @@
           <a:p>
             <a:fld id="{DDE3319A-DB6F-4D9E-8AC7-36F6CFA8A881}" type="datetime1">
               <a:rPr lang="en-US" smtClean="0"/>
-              <a:t>10/28/2018</a:t>
+              <a:t>10/29/2018</a:t>
             </a:fld>
             <a:endParaRPr lang="en-US"/>
           </a:p>
@@ -6383,7 +6383,7 @@
           <a:p>
             <a:fld id="{61DDD1FB-837C-481A-85BA-A895D31EFBFA}" type="datetime1">
               <a:rPr lang="en-US" smtClean="0"/>
-              <a:t>10/28/2018</a:t>
+              <a:t>10/29/2018</a:t>
             </a:fld>
             <a:endParaRPr lang="en-US"/>
           </a:p>
@@ -6640,7 +6640,7 @@
           <a:p>
             <a:fld id="{384C67AF-88C4-4875-B66E-A66C53E68BCB}" type="datetime1">
               <a:rPr lang="en-US" smtClean="0"/>
-              <a:t>10/28/2018</a:t>
+              <a:t>10/29/2018</a:t>
             </a:fld>
             <a:endParaRPr lang="en-US"/>
           </a:p>
@@ -7379,7 +7379,7 @@
           <a:p>
             <a:fld id="{A19010FC-F161-4142-8911-536940E82B9A}" type="datetime1">
               <a:rPr lang="en-US" smtClean="0"/>
-              <a:t>10/28/2018</a:t>
+              <a:t>10/29/2018</a:t>
             </a:fld>
             <a:endParaRPr lang="en-US"/>
           </a:p>
@@ -16390,14 +16390,14 @@
             <p:ph idx="1"/>
             <p:extLst>
               <p:ext uri="{D42A27DB-BD31-4B8C-83A1-F6EECF244321}">
-                <p14:modId xmlns:p14="http://schemas.microsoft.com/office/powerpoint/2010/main" val="1812893999"/>
+                <p14:modId xmlns:p14="http://schemas.microsoft.com/office/powerpoint/2010/main" val="171836775"/>
               </p:ext>
             </p:extLst>
           </p:nvPr>
         </p:nvGraphicFramePr>
         <p:xfrm>
           <a:off x="677334" y="2973187"/>
-          <a:ext cx="9554321" cy="3022600"/>
+          <a:ext cx="9554321" cy="2748280"/>
         </p:xfrm>
         <a:graphic>
           <a:graphicData uri="http://schemas.openxmlformats.org/drawingml/2006/table">
@@ -16561,7 +16561,31 @@
                           <a:ea typeface="+mn-ea"/>
                           <a:cs typeface="+mn-cs"/>
                         </a:rPr>
-                        <a:t>\b(\w+)\s(\w+)\b</a:t>
+                        <a:t>\b(\w+)\s(\w+)</a:t>
+                      </a:r>
+                      <a:r>
+                        <a:rPr lang="en-US" sz="1800" b="0" i="0" kern="1200" dirty="0">
+                          <a:solidFill>
+                            <a:srgbClr val="C00000"/>
+                          </a:solidFill>
+                          <a:effectLst/>
+                          <a:latin typeface="+mn-lt"/>
+                          <a:ea typeface="+mn-ea"/>
+                          <a:cs typeface="+mn-cs"/>
+                        </a:rPr>
+                        <a:t>\s(\w+)</a:t>
+                      </a:r>
+                      <a:r>
+                        <a:rPr lang="pl-PL" sz="1800" b="0" i="0" kern="1200" dirty="0">
+                          <a:solidFill>
+                            <a:srgbClr val="C00000"/>
+                          </a:solidFill>
+                          <a:effectLst/>
+                          <a:latin typeface="+mn-lt"/>
+                          <a:ea typeface="+mn-ea"/>
+                          <a:cs typeface="+mn-cs"/>
+                        </a:rPr>
+                        <a:t>\b</a:t>
                       </a:r>
                       <a:r>
                         <a:rPr lang="en-US" dirty="0">
@@ -16600,7 +16624,7 @@
                             <a:srgbClr val="C00000"/>
                           </a:solidFill>
                         </a:rPr>
-                        <a:t>@“</a:t>
+                        <a:t>@“$3 </a:t>
                       </a:r>
                       <a:r>
                         <a:rPr lang="en-US" sz="1800" b="0" i="0" kern="1200" dirty="0">
@@ -16630,54 +16654,6 @@
                         </a:rPr>
                       </a:br>
                       <a:r>
-                        <a:rPr lang="en-US" sz="1800" kern="1200" dirty="0">
-                          <a:solidFill>
-                            <a:schemeClr val="accent2">
-                              <a:lumMod val="75000"/>
-                            </a:schemeClr>
-                          </a:solidFill>
-                          <a:latin typeface="+mn-lt"/>
-                          <a:ea typeface="+mn-ea"/>
-                          <a:cs typeface="+mn-cs"/>
-                        </a:rPr>
-                        <a:t>/*var res = </a:t>
-                      </a:r>
-                      <a:r>
-                        <a:rPr lang="en-US" sz="1800" kern="1200" dirty="0" err="1">
-                          <a:solidFill>
-                            <a:schemeClr val="accent2">
-                              <a:lumMod val="75000"/>
-                            </a:schemeClr>
-                          </a:solidFill>
-                          <a:latin typeface="+mn-lt"/>
-                          <a:ea typeface="+mn-ea"/>
-                          <a:cs typeface="+mn-cs"/>
-                        </a:rPr>
-                        <a:t>re.Replace</a:t>
-                      </a:r>
-                      <a:r>
-                        <a:rPr lang="en-US" sz="1800" kern="1200" dirty="0">
-                          <a:solidFill>
-                            <a:schemeClr val="accent2">
-                              <a:lumMod val="75000"/>
-                            </a:schemeClr>
-                          </a:solidFill>
-                          <a:latin typeface="+mn-lt"/>
-                          <a:ea typeface="+mn-ea"/>
-                          <a:cs typeface="+mn-cs"/>
-                        </a:rPr>
-                        <a:t>(text, replacement, 1);*/</a:t>
-                      </a:r>
-                      <a:endParaRPr lang="en-US" dirty="0">
-                        <a:solidFill>
-                          <a:schemeClr val="accent2">
-                            <a:lumMod val="75000"/>
-                          </a:schemeClr>
-                        </a:solidFill>
-                      </a:endParaRPr>
-                    </a:p>
-                    <a:p>
-                      <a:r>
                         <a:rPr lang="en-US" dirty="0">
                           <a:solidFill>
                             <a:srgbClr val="C00000"/>
@@ -16690,12 +16666,20 @@
                         <a:t> -&gt; </a:t>
                       </a:r>
                       <a:r>
+                        <a:rPr lang="en-US">
+                          <a:solidFill>
+                            <a:srgbClr val="C00000"/>
+                          </a:solidFill>
+                        </a:rPr>
+                        <a:t>“and that This </a:t>
+                      </a:r>
+                      <a:r>
                         <a:rPr lang="en-US" dirty="0">
                           <a:solidFill>
                             <a:srgbClr val="C00000"/>
                           </a:solidFill>
                         </a:rPr>
-                        <a:t>“that This and those”</a:t>
+                        <a:t>those”</a:t>
                       </a:r>
                     </a:p>
                     <a:p>

--- a/Regular expression.pptx
+++ b/Regular expression.pptx
@@ -260,7 +260,7 @@
           <a:p>
             <a:fld id="{8FD72FE2-9D34-441A-BBF8-C43457B3CB86}" type="datetimeFigureOut">
               <a:rPr lang="en-US" smtClean="0"/>
-              <a:t>10/29/2018</a:t>
+              <a:t>3/9/2021</a:t>
             </a:fld>
             <a:endParaRPr lang="en-US"/>
           </a:p>
@@ -2976,7 +2976,7 @@
           <a:p>
             <a:fld id="{C44276A9-7526-4D6F-8860-40780D20FB70}" type="datetime1">
               <a:rPr lang="en-US" smtClean="0"/>
-              <a:t>10/29/2018</a:t>
+              <a:t>3/9/2021</a:t>
             </a:fld>
             <a:endParaRPr lang="en-US"/>
           </a:p>
@@ -3223,7 +3223,7 @@
           <a:p>
             <a:fld id="{DA73BF5B-E6A9-4AD9-9492-C7670EB48B9C}" type="datetime1">
               <a:rPr lang="en-US" smtClean="0"/>
-              <a:t>10/29/2018</a:t>
+              <a:t>3/9/2021</a:t>
             </a:fld>
             <a:endParaRPr lang="en-US"/>
           </a:p>
@@ -3533,7 +3533,7 @@
           <a:p>
             <a:fld id="{35611C89-A768-4986-BC8A-B8AF2ACAC105}" type="datetime1">
               <a:rPr lang="en-US" smtClean="0"/>
-              <a:t>10/29/2018</a:t>
+              <a:t>3/9/2021</a:t>
             </a:fld>
             <a:endParaRPr lang="en-US"/>
           </a:p>
@@ -3870,7 +3870,7 @@
           <a:p>
             <a:fld id="{9A3A3E9E-0A0D-45EA-BEA4-AD822CA400AD}" type="datetime1">
               <a:rPr lang="en-US" smtClean="0"/>
-              <a:t>10/29/2018</a:t>
+              <a:t>3/9/2021</a:t>
             </a:fld>
             <a:endParaRPr lang="en-US"/>
           </a:p>
@@ -4180,7 +4180,7 @@
           <a:p>
             <a:fld id="{ECEBFA12-978A-4BB0-ADD7-3A313390BD79}" type="datetime1">
               <a:rPr lang="en-US" smtClean="0"/>
-              <a:t>10/29/2018</a:t>
+              <a:t>3/9/2021</a:t>
             </a:fld>
             <a:endParaRPr lang="en-US"/>
           </a:p>
@@ -4569,7 +4569,7 @@
           <a:p>
             <a:fld id="{E8DD9845-F79F-4BE7-83DF-9040CC064CF1}" type="datetime1">
               <a:rPr lang="en-US" smtClean="0"/>
-              <a:t>10/29/2018</a:t>
+              <a:t>3/9/2021</a:t>
             </a:fld>
             <a:endParaRPr lang="en-US"/>
           </a:p>
@@ -4735,7 +4735,7 @@
           <a:p>
             <a:fld id="{1E49E2CD-78C6-4946-B39D-64A329306FF6}" type="datetime1">
               <a:rPr lang="en-US" smtClean="0"/>
-              <a:t>10/29/2018</a:t>
+              <a:t>3/9/2021</a:t>
             </a:fld>
             <a:endParaRPr lang="en-US"/>
           </a:p>
@@ -4910,7 +4910,7 @@
           <a:p>
             <a:fld id="{EEE216F6-DF86-456A-8087-621803B16196}" type="datetime1">
               <a:rPr lang="en-US" smtClean="0"/>
-              <a:t>10/29/2018</a:t>
+              <a:t>3/9/2021</a:t>
             </a:fld>
             <a:endParaRPr lang="en-US"/>
           </a:p>
@@ -5082,7 +5082,7 @@
           <a:p>
             <a:fld id="{F9F6332A-FC3F-457D-91BB-C0FFB082B428}" type="datetime1">
               <a:rPr lang="en-US" smtClean="0"/>
-              <a:t>10/29/2018</a:t>
+              <a:t>3/9/2021</a:t>
             </a:fld>
             <a:endParaRPr lang="en-US"/>
           </a:p>
@@ -5325,7 +5325,7 @@
           <a:p>
             <a:fld id="{AB590231-D46D-4502-89B1-B167124EAE52}" type="datetime1">
               <a:rPr lang="en-US" smtClean="0"/>
-              <a:t>10/29/2018</a:t>
+              <a:t>3/9/2021</a:t>
             </a:fld>
             <a:endParaRPr lang="en-US"/>
           </a:p>
@@ -5553,7 +5553,7 @@
           <a:p>
             <a:fld id="{B5AD2EC3-4702-48B0-975B-A65B14A99826}" type="datetime1">
               <a:rPr lang="en-US" smtClean="0"/>
-              <a:t>10/29/2018</a:t>
+              <a:t>3/9/2021</a:t>
             </a:fld>
             <a:endParaRPr lang="en-US"/>
           </a:p>
@@ -5922,7 +5922,7 @@
           <a:p>
             <a:fld id="{CA41493D-1E6A-4BBB-BB5B-DFB8D6DDCE8C}" type="datetime1">
               <a:rPr lang="en-US" smtClean="0"/>
-              <a:t>10/29/2018</a:t>
+              <a:t>3/9/2021</a:t>
             </a:fld>
             <a:endParaRPr lang="en-US"/>
           </a:p>
@@ -6041,7 +6041,7 @@
           <a:p>
             <a:fld id="{F593F7B0-3813-49F5-BD38-B8089D3A91C4}" type="datetime1">
               <a:rPr lang="en-US" smtClean="0"/>
-              <a:t>10/29/2018</a:t>
+              <a:t>3/9/2021</a:t>
             </a:fld>
             <a:endParaRPr lang="en-US"/>
           </a:p>
@@ -6132,7 +6132,7 @@
           <a:p>
             <a:fld id="{DDE3319A-DB6F-4D9E-8AC7-36F6CFA8A881}" type="datetime1">
               <a:rPr lang="en-US" smtClean="0"/>
-              <a:t>10/29/2018</a:t>
+              <a:t>3/9/2021</a:t>
             </a:fld>
             <a:endParaRPr lang="en-US"/>
           </a:p>
@@ -6383,7 +6383,7 @@
           <a:p>
             <a:fld id="{61DDD1FB-837C-481A-85BA-A895D31EFBFA}" type="datetime1">
               <a:rPr lang="en-US" smtClean="0"/>
-              <a:t>10/29/2018</a:t>
+              <a:t>3/9/2021</a:t>
             </a:fld>
             <a:endParaRPr lang="en-US"/>
           </a:p>
@@ -6640,7 +6640,7 @@
           <a:p>
             <a:fld id="{384C67AF-88C4-4875-B66E-A66C53E68BCB}" type="datetime1">
               <a:rPr lang="en-US" smtClean="0"/>
-              <a:t>10/29/2018</a:t>
+              <a:t>3/9/2021</a:t>
             </a:fld>
             <a:endParaRPr lang="en-US"/>
           </a:p>
@@ -7379,7 +7379,7 @@
           <a:p>
             <a:fld id="{A19010FC-F161-4142-8911-536940E82B9A}" type="datetime1">
               <a:rPr lang="en-US" smtClean="0"/>
-              <a:t>10/29/2018</a:t>
+              <a:t>3/9/2021</a:t>
             </a:fld>
             <a:endParaRPr lang="en-US"/>
           </a:p>
@@ -9667,7 +9667,7 @@
         <p:spPr>
           <a:xfrm>
             <a:off x="677333" y="1588168"/>
-            <a:ext cx="9122649" cy="5062887"/>
+            <a:ext cx="9713576" cy="5062887"/>
           </a:xfrm>
         </p:spPr>
         <p:txBody>
@@ -9716,7 +9716,7 @@
               <a:t> </a:t>
             </a:r>
             <a:r>
-              <a:rPr lang="en-US" dirty="0" err="1">
+              <a:rPr lang="en-US" dirty="0">
                 <a:solidFill>
                   <a:srgbClr val="002060"/>
                 </a:solidFill>
@@ -9744,7 +9744,7 @@
                   <a:srgbClr val="0070C0"/>
                 </a:solidFill>
               </a:rPr>
-              <a:t>var</a:t>
+              <a:t>const string</a:t>
             </a:r>
             <a:r>
               <a:rPr lang="en-US" dirty="0"/>
@@ -9775,7 +9775,23 @@
                   <a:srgbClr val="0070C0"/>
                 </a:solidFill>
               </a:rPr>
-              <a:t>var</a:t>
+              <a:t>static </a:t>
+            </a:r>
+            <a:r>
+              <a:rPr lang="en-US" dirty="0" err="1">
+                <a:solidFill>
+                  <a:srgbClr val="0070C0"/>
+                </a:solidFill>
+              </a:rPr>
+              <a:t>readonly</a:t>
+            </a:r>
+            <a:r>
+              <a:rPr lang="en-US" dirty="0">
+                <a:solidFill>
+                  <a:srgbClr val="0070C0"/>
+                </a:solidFill>
+              </a:rPr>
+              <a:t> regex</a:t>
             </a:r>
             <a:r>
               <a:rPr lang="en-US" dirty="0"/>
@@ -9806,7 +9822,7 @@
               <a:t>(pattern, </a:t>
             </a:r>
             <a:r>
-              <a:rPr lang="en-US" dirty="0" err="1">
+              <a:rPr lang="en-US" dirty="0">
                 <a:solidFill>
                   <a:srgbClr val="002060"/>
                 </a:solidFill>
@@ -9818,7 +9834,7 @@
               <a:t> = </a:t>
             </a:r>
             <a:r>
-              <a:rPr lang="en-US" dirty="0" err="1">
+              <a:rPr lang="en-US" dirty="0">
                 <a:solidFill>
                   <a:srgbClr val="002060"/>
                 </a:solidFill>
@@ -9826,11 +9842,11 @@
               <a:t>RegexOptions</a:t>
             </a:r>
             <a:r>
-              <a:rPr lang="en-US" dirty="0" err="1"/>
+              <a:rPr lang="en-US" dirty="0"/>
               <a:t>.</a:t>
             </a:r>
             <a:r>
-              <a:rPr lang="en-US" dirty="0" err="1">
+              <a:rPr lang="en-US" dirty="0">
                 <a:solidFill>
                   <a:srgbClr val="002060"/>
                 </a:solidFill>
@@ -10756,7 +10772,7 @@
             <p:ph idx="1"/>
             <p:extLst>
               <p:ext uri="{D42A27DB-BD31-4B8C-83A1-F6EECF244321}">
-                <p14:modId xmlns:p14="http://schemas.microsoft.com/office/powerpoint/2010/main" val="1650601055"/>
+                <p14:modId xmlns:p14="http://schemas.microsoft.com/office/powerpoint/2010/main" val="747720578"/>
               </p:ext>
             </p:extLst>
           </p:nvPr>
@@ -11220,7 +11236,7 @@
                     <a:lstStyle/>
                     <a:p>
                       <a:r>
-                        <a:rPr lang="en-US" sz="1800" b="0" i="0" kern="1200">
+                        <a:rPr lang="en-US" sz="1800" b="0" i="0" kern="1200" dirty="0">
                           <a:solidFill>
                             <a:schemeClr val="dk1"/>
                           </a:solidFill>
@@ -11232,11 +11248,11 @@
                         <a:t>The match must not occur on a </a:t>
                       </a:r>
                       <a:r>
-                        <a:rPr lang="en-US"/>
+                        <a:rPr lang="en-US" dirty="0"/>
                         <a:t>\b</a:t>
                       </a:r>
                       <a:r>
-                        <a:rPr lang="en-US" sz="1800" b="0" i="0" kern="1200">
+                        <a:rPr lang="en-US" sz="1800" b="0" i="0" kern="1200" dirty="0">
                           <a:solidFill>
                             <a:schemeClr val="dk1"/>
                           </a:solidFill>
@@ -11247,7 +11263,7 @@
                         </a:rPr>
                         <a:t> boundary (non-capturing)</a:t>
                       </a:r>
-                      <a:endParaRPr lang="en-US"/>
+                      <a:endParaRPr lang="en-US" dirty="0"/>
                     </a:p>
                   </a:txBody>
                   <a:tcPr/>
@@ -11355,31 +11371,7 @@
                           <a:ea typeface="+mn-ea"/>
                           <a:cs typeface="+mn-cs"/>
                         </a:rPr>
-                        <a:t>Wildcard: Matches any character (except \n when </a:t>
-                      </a:r>
-                      <a:r>
-                        <a:rPr lang="en-US" sz="1800" b="0" i="0" kern="1200" dirty="0" err="1">
-                          <a:solidFill>
-                            <a:schemeClr val="dk1"/>
-                          </a:solidFill>
-                          <a:effectLst/>
-                          <a:latin typeface="+mn-lt"/>
-                          <a:ea typeface="+mn-ea"/>
-                          <a:cs typeface="+mn-cs"/>
-                        </a:rPr>
-                        <a:t>RegexOptions.Multiline</a:t>
-                      </a:r>
-                      <a:r>
-                        <a:rPr lang="en-US" sz="1800" b="0" i="0" kern="1200" dirty="0">
-                          <a:solidFill>
-                            <a:schemeClr val="dk1"/>
-                          </a:solidFill>
-                          <a:effectLst/>
-                          <a:latin typeface="+mn-lt"/>
-                          <a:ea typeface="+mn-ea"/>
-                          <a:cs typeface="+mn-cs"/>
-                        </a:rPr>
-                        <a:t> is used).  Default: does not match \n</a:t>
+                        <a:t>Wildcard: Matches any character, except \n when RegexOptions.Multiline or RegexOptions.None is used. When RegexOptions.Singleline: does match ending \n</a:t>
                       </a:r>
                       <a:endParaRPr lang="en-US" dirty="0"/>
                     </a:p>
@@ -11805,7 +11797,7 @@
             <p:ph idx="1"/>
             <p:extLst>
               <p:ext uri="{D42A27DB-BD31-4B8C-83A1-F6EECF244321}">
-                <p14:modId xmlns:p14="http://schemas.microsoft.com/office/powerpoint/2010/main" val="1767569293"/>
+                <p14:modId xmlns:p14="http://schemas.microsoft.com/office/powerpoint/2010/main" val="2193839934"/>
               </p:ext>
             </p:extLst>
           </p:nvPr>
@@ -12338,37 +12330,8 @@
                       </a:r>
                       <a:r>
                         <a:rPr lang="en-US" dirty="0"/>
-                        <a:t> matches non empty line or </a:t>
+                        <a:t> matches non empty line or none-empty text depending on RegexOptions.None, RegexOptions.Singleline or RegexOptions.Multiline</a:t>
                       </a:r>
-                      <a:r>
-                        <a:rPr lang="en-US" dirty="0" err="1"/>
-                        <a:t>non empty</a:t>
-                      </a:r>
-                      <a:r>
-                        <a:rPr lang="en-US" dirty="0"/>
-                        <a:t> text depending on </a:t>
-                      </a:r>
-                      <a:r>
-                        <a:rPr lang="en-US" dirty="0" err="1"/>
-                        <a:t>RegexOptions.None</a:t>
-                      </a:r>
-                      <a:r>
-                        <a:rPr lang="en-US" dirty="0"/>
-                        <a:t>, </a:t>
-                      </a:r>
-                      <a:r>
-                        <a:rPr lang="en-US" dirty="0" err="1"/>
-                        <a:t>RegexOptions.Singleline</a:t>
-                      </a:r>
-                      <a:r>
-                        <a:rPr lang="en-US" dirty="0"/>
-                        <a:t> or </a:t>
-                      </a:r>
-                      <a:r>
-                        <a:rPr lang="en-US" dirty="0" err="1"/>
-                        <a:t>RegexOptions.Multiline</a:t>
-                      </a:r>
-                      <a:endParaRPr lang="en-US" dirty="0"/>
                     </a:p>
                   </a:txBody>
                   <a:tcPr/>
@@ -12415,7 +12378,7 @@
                     <a:lstStyle/>
                     <a:p>
                       <a:r>
-                        <a:rPr lang="en-US" sz="1800" b="0" i="0" kern="1200">
+                        <a:rPr lang="en-US" sz="1800" b="0" i="0" kern="1200" dirty="0">
                           <a:solidFill>
                             <a:schemeClr val="dk1"/>
                           </a:solidFill>
@@ -12424,9 +12387,9 @@
                           <a:ea typeface="+mn-ea"/>
                           <a:cs typeface="+mn-cs"/>
                         </a:rPr>
-                        <a:t>Matches any one element separated by the vertical bar “|”.</a:t>
+                        <a:t>Matches any one element separated by the vertical bar “|”.  String operation.</a:t>
                       </a:r>
-                      <a:endParaRPr lang="en-US"/>
+                      <a:endParaRPr lang="en-US" dirty="0"/>
                     </a:p>
                   </a:txBody>
                   <a:tcPr/>
@@ -13011,15 +12974,7 @@
             </a:r>
             <a:r>
               <a:rPr lang="fr-FR" dirty="0"/>
-              <a:t>	To match on </a:t>
-            </a:r>
-            <a:r>
-              <a:rPr lang="fr-FR" dirty="0" err="1"/>
-              <a:t>CRLF</a:t>
-            </a:r>
-            <a:r>
-              <a:rPr lang="fr-FR" dirty="0"/>
-              <a:t> Microsoft </a:t>
+              <a:t>	To match on CRLF Microsoft </a:t>
             </a:r>
             <a:r>
               <a:rPr lang="fr-FR" dirty="0" err="1"/>
@@ -14913,7 +14868,23 @@
                   <a:srgbClr val="0070C0"/>
                 </a:solidFill>
               </a:rPr>
-              <a:t>var</a:t>
+              <a:t>static </a:t>
+            </a:r>
+            <a:r>
+              <a:rPr lang="en-US" dirty="0" err="1">
+                <a:solidFill>
+                  <a:srgbClr val="0070C0"/>
+                </a:solidFill>
+              </a:rPr>
+              <a:t>readonly</a:t>
+            </a:r>
+            <a:r>
+              <a:rPr lang="en-US" dirty="0">
+                <a:solidFill>
+                  <a:srgbClr val="0070C0"/>
+                </a:solidFill>
+              </a:rPr>
+              <a:t> Regex</a:t>
             </a:r>
             <a:r>
               <a:rPr lang="en-US" dirty="0"/>
@@ -14929,23 +14900,7 @@
             </a:r>
             <a:r>
               <a:rPr lang="en-US" dirty="0"/>
-              <a:t> Regex(pattern, </a:t>
-            </a:r>
-            <a:r>
-              <a:rPr lang="en-US" dirty="0" err="1"/>
-              <a:t>RegexOptions</a:t>
-            </a:r>
-            <a:r>
-              <a:rPr lang="en-US" dirty="0"/>
-              <a:t> = </a:t>
-            </a:r>
-            <a:r>
-              <a:rPr lang="en-US" dirty="0" err="1"/>
-              <a:t>RegexOptions.None</a:t>
-            </a:r>
-            <a:r>
-              <a:rPr lang="en-US" dirty="0"/>
-              <a:t>)</a:t>
+              <a:t> Regex(pattern, RegexOptions = RegexOptions.None)</a:t>
             </a:r>
             <a:br>
               <a:rPr lang="en-US" dirty="0"/>
@@ -15101,7 +15056,19 @@
             </a:r>
             <a:r>
               <a:rPr lang="en-US" dirty="0"/>
-              <a:t> (Match m </a:t>
+              <a:t> (</a:t>
+            </a:r>
+            <a:r>
+              <a:rPr lang="en-US" dirty="0">
+                <a:highlight>
+                  <a:srgbClr val="FFFF00"/>
+                </a:highlight>
+              </a:rPr>
+              <a:t>Match</a:t>
+            </a:r>
+            <a:r>
+              <a:rPr lang="en-US" dirty="0"/>
+              <a:t> m </a:t>
             </a:r>
             <a:r>
               <a:rPr lang="en-US" dirty="0">

--- a/Regular expression.pptx
+++ b/Regular expression.pptx
@@ -258,7 +258,7 @@
           <a:p>
             <a:fld id="{8FD72FE2-9D34-441A-BBF8-C43457B3CB86}" type="datetimeFigureOut">
               <a:rPr lang="en-US" smtClean="0"/>
-              <a:t>3/9/2021</a:t>
+              <a:t>3/11/2021</a:t>
             </a:fld>
             <a:endParaRPr lang="en-US"/>
           </a:p>
@@ -2974,7 +2974,7 @@
           <a:p>
             <a:fld id="{C44276A9-7526-4D6F-8860-40780D20FB70}" type="datetime1">
               <a:rPr lang="en-US" smtClean="0"/>
-              <a:t>3/9/2021</a:t>
+              <a:t>3/11/2021</a:t>
             </a:fld>
             <a:endParaRPr lang="en-US"/>
           </a:p>
@@ -3221,7 +3221,7 @@
           <a:p>
             <a:fld id="{DA73BF5B-E6A9-4AD9-9492-C7670EB48B9C}" type="datetime1">
               <a:rPr lang="en-US" smtClean="0"/>
-              <a:t>3/9/2021</a:t>
+              <a:t>3/11/2021</a:t>
             </a:fld>
             <a:endParaRPr lang="en-US"/>
           </a:p>
@@ -3531,7 +3531,7 @@
           <a:p>
             <a:fld id="{35611C89-A768-4986-BC8A-B8AF2ACAC105}" type="datetime1">
               <a:rPr lang="en-US" smtClean="0"/>
-              <a:t>3/9/2021</a:t>
+              <a:t>3/11/2021</a:t>
             </a:fld>
             <a:endParaRPr lang="en-US"/>
           </a:p>
@@ -3868,7 +3868,7 @@
           <a:p>
             <a:fld id="{9A3A3E9E-0A0D-45EA-BEA4-AD822CA400AD}" type="datetime1">
               <a:rPr lang="en-US" smtClean="0"/>
-              <a:t>3/9/2021</a:t>
+              <a:t>3/11/2021</a:t>
             </a:fld>
             <a:endParaRPr lang="en-US"/>
           </a:p>
@@ -4178,7 +4178,7 @@
           <a:p>
             <a:fld id="{ECEBFA12-978A-4BB0-ADD7-3A313390BD79}" type="datetime1">
               <a:rPr lang="en-US" smtClean="0"/>
-              <a:t>3/9/2021</a:t>
+              <a:t>3/11/2021</a:t>
             </a:fld>
             <a:endParaRPr lang="en-US"/>
           </a:p>
@@ -4567,7 +4567,7 @@
           <a:p>
             <a:fld id="{E8DD9845-F79F-4BE7-83DF-9040CC064CF1}" type="datetime1">
               <a:rPr lang="en-US" smtClean="0"/>
-              <a:t>3/9/2021</a:t>
+              <a:t>3/11/2021</a:t>
             </a:fld>
             <a:endParaRPr lang="en-US"/>
           </a:p>
@@ -4733,7 +4733,7 @@
           <a:p>
             <a:fld id="{1E49E2CD-78C6-4946-B39D-64A329306FF6}" type="datetime1">
               <a:rPr lang="en-US" smtClean="0"/>
-              <a:t>3/9/2021</a:t>
+              <a:t>3/11/2021</a:t>
             </a:fld>
             <a:endParaRPr lang="en-US"/>
           </a:p>
@@ -4908,7 +4908,7 @@
           <a:p>
             <a:fld id="{EEE216F6-DF86-456A-8087-621803B16196}" type="datetime1">
               <a:rPr lang="en-US" smtClean="0"/>
-              <a:t>3/9/2021</a:t>
+              <a:t>3/11/2021</a:t>
             </a:fld>
             <a:endParaRPr lang="en-US"/>
           </a:p>
@@ -5080,7 +5080,7 @@
           <a:p>
             <a:fld id="{F9F6332A-FC3F-457D-91BB-C0FFB082B428}" type="datetime1">
               <a:rPr lang="en-US" smtClean="0"/>
-              <a:t>3/9/2021</a:t>
+              <a:t>3/11/2021</a:t>
             </a:fld>
             <a:endParaRPr lang="en-US"/>
           </a:p>
@@ -5323,7 +5323,7 @@
           <a:p>
             <a:fld id="{AB590231-D46D-4502-89B1-B167124EAE52}" type="datetime1">
               <a:rPr lang="en-US" smtClean="0"/>
-              <a:t>3/9/2021</a:t>
+              <a:t>3/11/2021</a:t>
             </a:fld>
             <a:endParaRPr lang="en-US"/>
           </a:p>
@@ -5551,7 +5551,7 @@
           <a:p>
             <a:fld id="{B5AD2EC3-4702-48B0-975B-A65B14A99826}" type="datetime1">
               <a:rPr lang="en-US" smtClean="0"/>
-              <a:t>3/9/2021</a:t>
+              <a:t>3/11/2021</a:t>
             </a:fld>
             <a:endParaRPr lang="en-US"/>
           </a:p>
@@ -5920,7 +5920,7 @@
           <a:p>
             <a:fld id="{CA41493D-1E6A-4BBB-BB5B-DFB8D6DDCE8C}" type="datetime1">
               <a:rPr lang="en-US" smtClean="0"/>
-              <a:t>3/9/2021</a:t>
+              <a:t>3/11/2021</a:t>
             </a:fld>
             <a:endParaRPr lang="en-US"/>
           </a:p>
@@ -6039,7 +6039,7 @@
           <a:p>
             <a:fld id="{F593F7B0-3813-49F5-BD38-B8089D3A91C4}" type="datetime1">
               <a:rPr lang="en-US" smtClean="0"/>
-              <a:t>3/9/2021</a:t>
+              <a:t>3/11/2021</a:t>
             </a:fld>
             <a:endParaRPr lang="en-US"/>
           </a:p>
@@ -6130,7 +6130,7 @@
           <a:p>
             <a:fld id="{DDE3319A-DB6F-4D9E-8AC7-36F6CFA8A881}" type="datetime1">
               <a:rPr lang="en-US" smtClean="0"/>
-              <a:t>3/9/2021</a:t>
+              <a:t>3/11/2021</a:t>
             </a:fld>
             <a:endParaRPr lang="en-US"/>
           </a:p>
@@ -6381,7 +6381,7 @@
           <a:p>
             <a:fld id="{61DDD1FB-837C-481A-85BA-A895D31EFBFA}" type="datetime1">
               <a:rPr lang="en-US" smtClean="0"/>
-              <a:t>3/9/2021</a:t>
+              <a:t>3/11/2021</a:t>
             </a:fld>
             <a:endParaRPr lang="en-US"/>
           </a:p>
@@ -6638,7 +6638,7 @@
           <a:p>
             <a:fld id="{384C67AF-88C4-4875-B66E-A66C53E68BCB}" type="datetime1">
               <a:rPr lang="en-US" smtClean="0"/>
-              <a:t>3/9/2021</a:t>
+              <a:t>3/11/2021</a:t>
             </a:fld>
             <a:endParaRPr lang="en-US"/>
           </a:p>
@@ -7377,7 +7377,7 @@
           <a:p>
             <a:fld id="{A19010FC-F161-4142-8911-536940E82B9A}" type="datetime1">
               <a:rPr lang="en-US" smtClean="0"/>
-              <a:t>3/9/2021</a:t>
+              <a:t>3/11/2021</a:t>
             </a:fld>
             <a:endParaRPr lang="en-US"/>
           </a:p>
@@ -9095,7 +9095,7 @@
         </p:nvSpPr>
         <p:spPr>
           <a:xfrm>
-            <a:off x="677333" y="1588168"/>
+            <a:off x="582330" y="1559292"/>
             <a:ext cx="9713576" cy="5062887"/>
           </a:xfrm>
         </p:spPr>
@@ -11226,14 +11226,14 @@
             <p:ph idx="1"/>
             <p:extLst>
               <p:ext uri="{D42A27DB-BD31-4B8C-83A1-F6EECF244321}">
-                <p14:modId xmlns:p14="http://schemas.microsoft.com/office/powerpoint/2010/main" val="2193839934"/>
+                <p14:modId xmlns:p14="http://schemas.microsoft.com/office/powerpoint/2010/main" val="1513071545"/>
               </p:ext>
             </p:extLst>
           </p:nvPr>
         </p:nvGraphicFramePr>
         <p:xfrm>
-          <a:off x="677334" y="1824327"/>
-          <a:ext cx="11149010" cy="4582160"/>
+          <a:off x="677333" y="1824327"/>
+          <a:ext cx="11364245" cy="4582160"/>
         </p:xfrm>
         <a:graphic>
           <a:graphicData uri="http://schemas.openxmlformats.org/drawingml/2006/table">
@@ -11242,21 +11242,21 @@
                 <a:tableStyleId>{5C22544A-7EE6-4342-B048-85BDC9FD1C3A}</a:tableStyleId>
               </a:tblPr>
               <a:tblGrid>
-                <a:gridCol w="1705139">
+                <a:gridCol w="1738057">
                   <a:extLst>
                     <a:ext uri="{9D8B030D-6E8A-4147-A177-3AD203B41FA5}">
                       <a16:colId xmlns:a16="http://schemas.microsoft.com/office/drawing/2014/main" val="2112242034"/>
                     </a:ext>
                   </a:extLst>
                 </a:gridCol>
-                <a:gridCol w="4018327">
+                <a:gridCol w="4095902">
                   <a:extLst>
                     <a:ext uri="{9D8B030D-6E8A-4147-A177-3AD203B41FA5}">
                       <a16:colId xmlns:a16="http://schemas.microsoft.com/office/drawing/2014/main" val="3319626341"/>
                     </a:ext>
                   </a:extLst>
                 </a:gridCol>
-                <a:gridCol w="5425544">
+                <a:gridCol w="5530286">
                   <a:extLst>
                     <a:ext uri="{9D8B030D-6E8A-4147-A177-3AD203B41FA5}">
                       <a16:colId xmlns:a16="http://schemas.microsoft.com/office/drawing/2014/main" val="1775112966"/>
@@ -11435,7 +11435,7 @@
                       </a:r>
                       <a:r>
                         <a:rPr lang="en-US" dirty="0"/>
-                        <a:t>” in “cherries-</a:t>
+                        <a:t>”, “e” in “cherries-</a:t>
                       </a:r>
                       <a:r>
                         <a:rPr lang="en-US" dirty="0" err="1"/>
@@ -11453,23 +11453,7 @@
                             <a:srgbClr val="FF0000"/>
                           </a:solidFill>
                         </a:rPr>
-                        <a:t>@“[a-</a:t>
-                      </a:r>
-                      <a:r>
-                        <a:rPr lang="en-US" dirty="0" err="1">
-                          <a:solidFill>
-                            <a:srgbClr val="FF0000"/>
-                          </a:solidFill>
-                        </a:rPr>
-                        <a:t>hr</a:t>
-                      </a:r>
-                      <a:r>
-                        <a:rPr lang="en-US" dirty="0">
-                          <a:solidFill>
-                            <a:srgbClr val="FF0000"/>
-                          </a:solidFill>
-                        </a:rPr>
-                        <a:t>]+” </a:t>
+                        <a:t>@“[a-hr]+” </a:t>
                       </a:r>
                       <a:r>
                         <a:rPr lang="en-US" dirty="0"/>
@@ -11481,7 +11465,7 @@
                       </a:r>
                       <a:r>
                         <a:rPr lang="en-US" dirty="0"/>
-                        <a:t>” in “cherries-</a:t>
+                        <a:t>”, “e” in “cherries-</a:t>
                       </a:r>
                       <a:r>
                         <a:rPr lang="en-US" dirty="0" err="1"/>
@@ -12263,8 +12247,8 @@
         </p:nvSpPr>
         <p:spPr>
           <a:xfrm>
-            <a:off x="677332" y="1516852"/>
-            <a:ext cx="9525447" cy="5259334"/>
+            <a:off x="677332" y="2303812"/>
+            <a:ext cx="9525447" cy="4102675"/>
           </a:xfrm>
         </p:spPr>
         <p:txBody>
@@ -12333,54 +12317,10 @@
               <a:rPr lang="fr-FR" dirty="0"/>
               <a:t>:     	|  (the union qualifier)</a:t>
             </a:r>
-          </a:p>
-          <a:p>
-            <a:pPr lvl="1"/>
-            <a:r>
-              <a:rPr lang="fr-FR" dirty="0" err="1"/>
-              <a:t>Binary</a:t>
-            </a:r>
-            <a:r>
+            <a:br>
               <a:rPr lang="fr-FR" dirty="0"/>
-              <a:t> digit: [01]</a:t>
-            </a:r>
-          </a:p>
-          <a:p>
-            <a:pPr lvl="1"/>
-            <a:r>
-              <a:rPr lang="fr-FR" dirty="0"/>
-              <a:t>Octal digit:  [0-7]</a:t>
-            </a:r>
-          </a:p>
-          <a:p>
-            <a:pPr lvl="1"/>
-            <a:r>
-              <a:rPr lang="fr-FR" dirty="0" err="1"/>
-              <a:t>Decimal</a:t>
-            </a:r>
-            <a:r>
-              <a:rPr lang="fr-FR" dirty="0"/>
-              <a:t> digit: \d</a:t>
-            </a:r>
-          </a:p>
-          <a:p>
-            <a:pPr lvl="1"/>
-            <a:r>
-              <a:rPr lang="fr-FR" dirty="0" err="1"/>
-              <a:t>Hexadecimal</a:t>
-            </a:r>
-            <a:r>
-              <a:rPr lang="fr-FR" dirty="0"/>
-              <a:t> digit: [0-9a-fA-F] or [\da-</a:t>
-            </a:r>
-            <a:r>
-              <a:rPr lang="fr-FR" dirty="0" err="1"/>
-              <a:t>fA</a:t>
-            </a:r>
-            <a:r>
-              <a:rPr lang="fr-FR" dirty="0"/>
-              <a:t>-F]</a:t>
-            </a:r>
+            </a:br>
+            <a:endParaRPr lang="fr-FR" dirty="0"/>
           </a:p>
           <a:p>
             <a:r>
@@ -13761,7 +13701,7 @@
               </a:spcBef>
             </a:pPr>
             <a:r>
-              <a:rPr lang="fr-FR" b="1" dirty="0" err="1">
+              <a:rPr lang="fr-FR" b="1" dirty="0">
                 <a:solidFill>
                   <a:srgbClr val="002060"/>
                 </a:solidFill>
@@ -13770,7 +13710,7 @@
             </a:r>
             <a:r>
               <a:rPr lang="fr-FR" dirty="0"/>
-              <a:t>	(Default):			</a:t>
+              <a:t>	(Default):		</a:t>
             </a:r>
             <a:r>
               <a:rPr lang="fr-FR" sz="2000" dirty="0">
@@ -13825,7 +13765,7 @@
               </a:spcBef>
             </a:pPr>
             <a:r>
-              <a:rPr lang="fr-FR" b="1" dirty="0" err="1">
+              <a:rPr lang="fr-FR" b="1" dirty="0">
                 <a:solidFill>
                   <a:srgbClr val="002060"/>
                 </a:solidFill>
@@ -13838,7 +13778,7 @@
             </a:r>
             <a:r>
               <a:rPr lang="fr-FR" dirty="0"/>
-              <a:t>				</a:t>
+              <a:t>			</a:t>
             </a:r>
             <a:r>
               <a:rPr lang="fr-FR" sz="2000" dirty="0">
@@ -13885,7 +13825,7 @@
               </a:spcBef>
             </a:pPr>
             <a:r>
-              <a:rPr lang="fr-FR" b="1" dirty="0" err="1">
+              <a:rPr lang="fr-FR" b="1" dirty="0">
                 <a:solidFill>
                   <a:srgbClr val="002060"/>
                 </a:solidFill>
@@ -13898,7 +13838,7 @@
             </a:r>
             <a:r>
               <a:rPr lang="fr-FR" dirty="0"/>
-              <a:t>				</a:t>
+              <a:t>			</a:t>
             </a:r>
             <a:r>
               <a:rPr lang="fr-FR" sz="2000" dirty="0">
@@ -13953,7 +13893,7 @@
                   <a:srgbClr val="002060"/>
                 </a:solidFill>
               </a:rPr>
-              <a:t>RegexOptions.Single</a:t>
+              <a:t>ReO.Singleline</a:t>
             </a:r>
             <a:r>
               <a:rPr lang="fr-FR" b="1" dirty="0">
@@ -19554,8 +19494,8 @@
         </p:nvSpPr>
         <p:spPr>
           <a:xfrm>
-            <a:off x="677334" y="2248250"/>
-            <a:ext cx="8596668" cy="4202883"/>
+            <a:off x="677333" y="2248250"/>
+            <a:ext cx="9286063" cy="4202883"/>
           </a:xfrm>
         </p:spPr>
         <p:txBody>
@@ -19563,51 +19503,51 @@
           <a:lstStyle/>
           <a:p>
             <a:r>
-              <a:rPr lang="en-US"/>
+              <a:rPr lang="en-US" dirty="0"/>
               <a:t>Who is this talk for</a:t>
             </a:r>
           </a:p>
           <a:p>
             <a:pPr lvl="1"/>
             <a:r>
-              <a:rPr lang="en-US"/>
+              <a:rPr lang="en-US" dirty="0"/>
               <a:t>This talk is geared towards the person who knows little to none about regular expressions or the person who needs a review of RE</a:t>
             </a:r>
           </a:p>
           <a:p>
-            <a:endParaRPr lang="en-US"/>
-          </a:p>
-          <a:p>
-            <a:r>
-              <a:rPr lang="en-US"/>
+            <a:endParaRPr lang="en-US" dirty="0"/>
+          </a:p>
+          <a:p>
+            <a:r>
+              <a:rPr lang="en-US" dirty="0"/>
               <a:t>What will you get out of this talk</a:t>
             </a:r>
           </a:p>
           <a:p>
             <a:pPr lvl="1"/>
             <a:r>
-              <a:rPr lang="en-US"/>
+              <a:rPr lang="en-US" dirty="0"/>
               <a:t>At the end of this talk you should be able to use regular expressions in your development work with confidence</a:t>
             </a:r>
           </a:p>
           <a:p>
-            <a:endParaRPr lang="en-US"/>
-          </a:p>
-          <a:p>
-            <a:r>
-              <a:rPr lang="en-US"/>
+            <a:endParaRPr lang="en-US" dirty="0"/>
+          </a:p>
+          <a:p>
+            <a:r>
+              <a:rPr lang="en-US" dirty="0"/>
               <a:t>Prerequisites</a:t>
             </a:r>
           </a:p>
           <a:p>
             <a:pPr lvl="1"/>
             <a:r>
-              <a:rPr lang="en-US"/>
+              <a:rPr lang="en-US" dirty="0"/>
               <a:t>Familiarity with C# (RE knowledge is not a prerequisite)</a:t>
             </a:r>
           </a:p>
           <a:p>
-            <a:endParaRPr lang="en-US"/>
+            <a:endParaRPr lang="en-US" dirty="0"/>
           </a:p>
         </p:txBody>
       </p:sp>
@@ -21658,7 +21598,7 @@
         </p:spPr>
         <p:txBody>
           <a:bodyPr>
-            <a:normAutofit fontScale="92500" lnSpcReduction="10000"/>
+            <a:normAutofit fontScale="92500" lnSpcReduction="20000"/>
           </a:bodyPr>
           <a:lstStyle/>
           <a:p>
@@ -21679,7 +21619,17 @@
             <a:pPr lvl="1"/>
             <a:r>
               <a:rPr lang="en-US" dirty="0"/>
-              <a:t>We did not cover the \p{xxx} and \P{xxx} (\p{P} matches on any punctuation)</a:t>
+              <a:t>We did not cover the \p{xxx} and \P{xxx} (see: </a:t>
+            </a:r>
+            <a:r>
+              <a:rPr lang="en-US" dirty="0">
+                <a:hlinkClick r:id="rId3"/>
+              </a:rPr>
+              <a:t>http://www.regular-expressions.info/unicode.html#category</a:t>
+            </a:r>
+            <a:r>
+              <a:rPr lang="en-US" dirty="0"/>
+              <a:t>)</a:t>
             </a:r>
           </a:p>
           <a:p>
@@ -21721,7 +21671,7 @@
             </a:r>
             <a:r>
               <a:rPr lang="en-US" dirty="0">
-                <a:hlinkClick r:id="rId3"/>
+                <a:hlinkClick r:id="rId4"/>
               </a:rPr>
               <a:t>http://derekslager.com/blog/posts/2007/09/a-better-dotnet-regular-expression-tester.ashx</a:t>
             </a:r>
@@ -21758,7 +21708,7 @@
                 <a:highlight>
                   <a:srgbClr val="FFFF00"/>
                 </a:highlight>
-                <a:hlinkClick r:id="rId4">
+                <a:hlinkClick r:id="rId5">
                   <a:extLst>
                     <a:ext uri="{A12FA001-AC4F-418D-AE19-62706E023703}">
                       <ahyp:hlinkClr xmlns:ahyp="http://schemas.microsoft.com/office/drawing/2018/hyperlinkcolor" val="tx"/>
@@ -21787,7 +21737,7 @@
             </a:r>
             <a:r>
               <a:rPr lang="en-US" dirty="0">
-                <a:hlinkClick r:id="rId5"/>
+                <a:hlinkClick r:id="rId6"/>
               </a:rPr>
               <a:t>https://www.barnesandnoble.com/w/mastering-regular-expressions-jeffrey-e-f-friedl/1100323112?ean=9781449332532</a:t>
             </a:r>
@@ -23117,8 +23067,8 @@
         </p:nvSpPr>
         <p:spPr>
           <a:xfrm>
-            <a:off x="677334" y="2367627"/>
-            <a:ext cx="8596668" cy="3880773"/>
+            <a:off x="677333" y="2367627"/>
+            <a:ext cx="9571071" cy="3880773"/>
           </a:xfrm>
         </p:spPr>
         <p:txBody>
@@ -23448,7 +23398,7 @@
             </a:br>
             <a:r>
               <a:rPr lang="en-US" sz="2800" dirty="0"/>
-              <a:t>Three terms: Text Pattern and Groups</a:t>
+              <a:t>Three terms: Text, Pattern, Groups</a:t>
             </a:r>
             <a:endParaRPr lang="en-US" dirty="0"/>
           </a:p>

--- a/Regular expression.pptx
+++ b/Regular expression.pptx
@@ -259,7 +259,7 @@
           <a:p>
             <a:fld id="{8FD72FE2-9D34-441A-BBF8-C43457B3CB86}" type="datetimeFigureOut">
               <a:rPr lang="en-US" smtClean="0"/>
-              <a:t>3/18/2021</a:t>
+              <a:t>3/24/2021</a:t>
             </a:fld>
             <a:endParaRPr lang="en-US"/>
           </a:p>
@@ -3594,7 +3594,7 @@
           <a:p>
             <a:fld id="{C44276A9-7526-4D6F-8860-40780D20FB70}" type="datetime1">
               <a:rPr lang="en-US" smtClean="0"/>
-              <a:t>3/18/2021</a:t>
+              <a:t>3/24/2021</a:t>
             </a:fld>
             <a:endParaRPr lang="en-US"/>
           </a:p>
@@ -3841,7 +3841,7 @@
           <a:p>
             <a:fld id="{DA73BF5B-E6A9-4AD9-9492-C7670EB48B9C}" type="datetime1">
               <a:rPr lang="en-US" smtClean="0"/>
-              <a:t>3/18/2021</a:t>
+              <a:t>3/24/2021</a:t>
             </a:fld>
             <a:endParaRPr lang="en-US"/>
           </a:p>
@@ -4151,7 +4151,7 @@
           <a:p>
             <a:fld id="{35611C89-A768-4986-BC8A-B8AF2ACAC105}" type="datetime1">
               <a:rPr lang="en-US" smtClean="0"/>
-              <a:t>3/18/2021</a:t>
+              <a:t>3/24/2021</a:t>
             </a:fld>
             <a:endParaRPr lang="en-US"/>
           </a:p>
@@ -4488,7 +4488,7 @@
           <a:p>
             <a:fld id="{9A3A3E9E-0A0D-45EA-BEA4-AD822CA400AD}" type="datetime1">
               <a:rPr lang="en-US" smtClean="0"/>
-              <a:t>3/18/2021</a:t>
+              <a:t>3/24/2021</a:t>
             </a:fld>
             <a:endParaRPr lang="en-US"/>
           </a:p>
@@ -4798,7 +4798,7 @@
           <a:p>
             <a:fld id="{ECEBFA12-978A-4BB0-ADD7-3A313390BD79}" type="datetime1">
               <a:rPr lang="en-US" smtClean="0"/>
-              <a:t>3/18/2021</a:t>
+              <a:t>3/24/2021</a:t>
             </a:fld>
             <a:endParaRPr lang="en-US"/>
           </a:p>
@@ -5187,7 +5187,7 @@
           <a:p>
             <a:fld id="{E8DD9845-F79F-4BE7-83DF-9040CC064CF1}" type="datetime1">
               <a:rPr lang="en-US" smtClean="0"/>
-              <a:t>3/18/2021</a:t>
+              <a:t>3/24/2021</a:t>
             </a:fld>
             <a:endParaRPr lang="en-US"/>
           </a:p>
@@ -5353,7 +5353,7 @@
           <a:p>
             <a:fld id="{1E49E2CD-78C6-4946-B39D-64A329306FF6}" type="datetime1">
               <a:rPr lang="en-US" smtClean="0"/>
-              <a:t>3/18/2021</a:t>
+              <a:t>3/24/2021</a:t>
             </a:fld>
             <a:endParaRPr lang="en-US"/>
           </a:p>
@@ -5528,7 +5528,7 @@
           <a:p>
             <a:fld id="{EEE216F6-DF86-456A-8087-621803B16196}" type="datetime1">
               <a:rPr lang="en-US" smtClean="0"/>
-              <a:t>3/18/2021</a:t>
+              <a:t>3/24/2021</a:t>
             </a:fld>
             <a:endParaRPr lang="en-US"/>
           </a:p>
@@ -5700,7 +5700,7 @@
           <a:p>
             <a:fld id="{F9F6332A-FC3F-457D-91BB-C0FFB082B428}" type="datetime1">
               <a:rPr lang="en-US" smtClean="0"/>
-              <a:t>3/18/2021</a:t>
+              <a:t>3/24/2021</a:t>
             </a:fld>
             <a:endParaRPr lang="en-US"/>
           </a:p>
@@ -5943,7 +5943,7 @@
           <a:p>
             <a:fld id="{AB590231-D46D-4502-89B1-B167124EAE52}" type="datetime1">
               <a:rPr lang="en-US" smtClean="0"/>
-              <a:t>3/18/2021</a:t>
+              <a:t>3/24/2021</a:t>
             </a:fld>
             <a:endParaRPr lang="en-US"/>
           </a:p>
@@ -6171,7 +6171,7 @@
           <a:p>
             <a:fld id="{B5AD2EC3-4702-48B0-975B-A65B14A99826}" type="datetime1">
               <a:rPr lang="en-US" smtClean="0"/>
-              <a:t>3/18/2021</a:t>
+              <a:t>3/24/2021</a:t>
             </a:fld>
             <a:endParaRPr lang="en-US"/>
           </a:p>
@@ -6540,7 +6540,7 @@
           <a:p>
             <a:fld id="{CA41493D-1E6A-4BBB-BB5B-DFB8D6DDCE8C}" type="datetime1">
               <a:rPr lang="en-US" smtClean="0"/>
-              <a:t>3/18/2021</a:t>
+              <a:t>3/24/2021</a:t>
             </a:fld>
             <a:endParaRPr lang="en-US"/>
           </a:p>
@@ -6659,7 +6659,7 @@
           <a:p>
             <a:fld id="{F593F7B0-3813-49F5-BD38-B8089D3A91C4}" type="datetime1">
               <a:rPr lang="en-US" smtClean="0"/>
-              <a:t>3/18/2021</a:t>
+              <a:t>3/24/2021</a:t>
             </a:fld>
             <a:endParaRPr lang="en-US"/>
           </a:p>
@@ -6750,7 +6750,7 @@
           <a:p>
             <a:fld id="{DDE3319A-DB6F-4D9E-8AC7-36F6CFA8A881}" type="datetime1">
               <a:rPr lang="en-US" smtClean="0"/>
-              <a:t>3/18/2021</a:t>
+              <a:t>3/24/2021</a:t>
             </a:fld>
             <a:endParaRPr lang="en-US"/>
           </a:p>
@@ -7001,7 +7001,7 @@
           <a:p>
             <a:fld id="{61DDD1FB-837C-481A-85BA-A895D31EFBFA}" type="datetime1">
               <a:rPr lang="en-US" smtClean="0"/>
-              <a:t>3/18/2021</a:t>
+              <a:t>3/24/2021</a:t>
             </a:fld>
             <a:endParaRPr lang="en-US"/>
           </a:p>
@@ -7258,7 +7258,7 @@
           <a:p>
             <a:fld id="{384C67AF-88C4-4875-B66E-A66C53E68BCB}" type="datetime1">
               <a:rPr lang="en-US" smtClean="0"/>
-              <a:t>3/18/2021</a:t>
+              <a:t>3/24/2021</a:t>
             </a:fld>
             <a:endParaRPr lang="en-US"/>
           </a:p>
@@ -7997,7 +7997,7 @@
           <a:p>
             <a:fld id="{A19010FC-F161-4142-8911-536940E82B9A}" type="datetime1">
               <a:rPr lang="en-US" smtClean="0"/>
-              <a:t>3/18/2021</a:t>
+              <a:t>3/24/2021</a:t>
             </a:fld>
             <a:endParaRPr lang="en-US"/>
           </a:p>
@@ -13749,7 +13749,7 @@
             <p:ph idx="1"/>
             <p:extLst>
               <p:ext uri="{D42A27DB-BD31-4B8C-83A1-F6EECF244321}">
-                <p14:modId xmlns:p14="http://schemas.microsoft.com/office/powerpoint/2010/main" val="1144352103"/>
+                <p14:modId xmlns:p14="http://schemas.microsoft.com/office/powerpoint/2010/main" val="176582026"/>
               </p:ext>
             </p:extLst>
           </p:nvPr>
@@ -13765,14 +13765,14 @@
                 <a:tableStyleId>{5C22544A-7EE6-4342-B048-85BDC9FD1C3A}</a:tableStyleId>
               </a:tblPr>
               <a:tblGrid>
-                <a:gridCol w="1473843">
+                <a:gridCol w="1279671">
                   <a:extLst>
                     <a:ext uri="{9D8B030D-6E8A-4147-A177-3AD203B41FA5}">
                       <a16:colId xmlns:a16="http://schemas.microsoft.com/office/drawing/2014/main" val="1102840721"/>
                     </a:ext>
                   </a:extLst>
                 </a:gridCol>
-                <a:gridCol w="4533359">
+                <a:gridCol w="4727531">
                   <a:extLst>
                     <a:ext uri="{9D8B030D-6E8A-4147-A177-3AD203B41FA5}">
                       <a16:colId xmlns:a16="http://schemas.microsoft.com/office/drawing/2014/main" val="3435659896"/>
@@ -13863,14 +13863,9 @@
                     <a:lstStyle/>
                     <a:p>
                       <a:r>
-                        <a:rPr lang="en-US"/>
-                        <a:t>Matches 0 or more of the previous </a:t>
+                        <a:rPr lang="en-US" dirty="0"/>
+                        <a:t>Matches 0 or more of the previous element</a:t>
                       </a:r>
-                      <a:r>
-                        <a:rPr lang="en-US" err="1"/>
-                        <a:t>elemnt</a:t>
-                      </a:r>
-                      <a:endParaRPr lang="en-US"/>
                     </a:p>
                   </a:txBody>
                   <a:tcPr/>
@@ -13923,14 +13918,14 @@
                     <a:lstStyle/>
                     <a:p>
                       <a:r>
-                        <a:rPr lang="en-US"/>
-                        <a:t>Matches 1 or more of the previous </a:t>
+                        <a:rPr lang="en-US" dirty="0"/>
+                        <a:t>Matches 1 or more of the </a:t>
                       </a:r>
                       <a:r>
-                        <a:rPr lang="en-US" err="1"/>
-                        <a:t>elemnt</a:t>
+                        <a:rPr lang="en-US"/>
+                        <a:t>previous element</a:t>
                       </a:r>
-                      <a:endParaRPr lang="en-US"/>
+                      <a:endParaRPr lang="en-US" dirty="0"/>
                     </a:p>
                   </a:txBody>
                   <a:tcPr/>
